--- a/Word Statistic Documentation.pptx
+++ b/Word Statistic Documentation.pptx
@@ -5,16 +5,18 @@
     <p:sldMasterId id="2147483648" r:id="rId1"/>
   </p:sldMasterIdLst>
   <p:notesMasterIdLst>
-    <p:notesMasterId r:id="rId9"/>
+    <p:notesMasterId r:id="rId11"/>
   </p:notesMasterIdLst>
   <p:sldIdLst>
     <p:sldId id="256" r:id="rId2"/>
-    <p:sldId id="262" r:id="rId3"/>
-    <p:sldId id="257" r:id="rId4"/>
-    <p:sldId id="258" r:id="rId5"/>
-    <p:sldId id="259" r:id="rId6"/>
-    <p:sldId id="260" r:id="rId7"/>
-    <p:sldId id="261" r:id="rId8"/>
+    <p:sldId id="263" r:id="rId3"/>
+    <p:sldId id="262" r:id="rId4"/>
+    <p:sldId id="257" r:id="rId5"/>
+    <p:sldId id="258" r:id="rId6"/>
+    <p:sldId id="259" r:id="rId7"/>
+    <p:sldId id="260" r:id="rId8"/>
+    <p:sldId id="261" r:id="rId9"/>
+    <p:sldId id="264" r:id="rId10"/>
   </p:sldIdLst>
   <p:sldSz cx="12192000" cy="6858000"/>
   <p:notesSz cx="6858000" cy="9144000"/>
@@ -113,6 +115,11 @@
       </a:defRPr>
     </a:lvl9pPr>
   </p:defaultTextStyle>
+  <p:extLst>
+    <p:ext uri="{EFAFB233-063F-42B5-8137-9DF3F51BA10A}">
+      <p15:sldGuideLst xmlns:p15="http://schemas.microsoft.com/office/powerpoint/2012/main"/>
+    </p:ext>
+  </p:extLst>
 </p:presentation>
 </file>
 
@@ -198,7 +205,7 @@
           <a:p>
             <a:fld id="{37163AAA-05F6-4160-A506-64E55F3BA277}" type="datetimeFigureOut">
               <a:rPr lang="en-US" smtClean="0"/>
-              <a:t>12/16/2023</a:t>
+              <a:t>12/17/2023</a:t>
             </a:fld>
             <a:endParaRPr lang="en-US"/>
           </a:p>
@@ -615,7 +622,7 @@
           <a:p>
             <a:fld id="{FBD21C68-9E7A-466B-BBA4-39A2024850AF}" type="slidenum">
               <a:rPr lang="en-US" smtClean="0"/>
-              <a:t>6</a:t>
+              <a:t>7</a:t>
             </a:fld>
             <a:endParaRPr lang="en-US"/>
           </a:p>
@@ -783,7 +790,7 @@
           <a:p>
             <a:fld id="{DA27BDC4-C21F-4755-87AA-D32DA2EB70BF}" type="datetimeFigureOut">
               <a:rPr lang="en-US" smtClean="0"/>
-              <a:t>12/16/2023</a:t>
+              <a:t>12/17/2023</a:t>
             </a:fld>
             <a:endParaRPr lang="en-US"/>
           </a:p>
@@ -983,7 +990,7 @@
           <a:p>
             <a:fld id="{DA27BDC4-C21F-4755-87AA-D32DA2EB70BF}" type="datetimeFigureOut">
               <a:rPr lang="en-US" smtClean="0"/>
-              <a:t>12/16/2023</a:t>
+              <a:t>12/17/2023</a:t>
             </a:fld>
             <a:endParaRPr lang="en-US"/>
           </a:p>
@@ -1193,7 +1200,7 @@
           <a:p>
             <a:fld id="{DA27BDC4-C21F-4755-87AA-D32DA2EB70BF}" type="datetimeFigureOut">
               <a:rPr lang="en-US" smtClean="0"/>
-              <a:t>12/16/2023</a:t>
+              <a:t>12/17/2023</a:t>
             </a:fld>
             <a:endParaRPr lang="en-US"/>
           </a:p>
@@ -1393,7 +1400,7 @@
           <a:p>
             <a:fld id="{DA27BDC4-C21F-4755-87AA-D32DA2EB70BF}" type="datetimeFigureOut">
               <a:rPr lang="en-US" smtClean="0"/>
-              <a:t>12/16/2023</a:t>
+              <a:t>12/17/2023</a:t>
             </a:fld>
             <a:endParaRPr lang="en-US"/>
           </a:p>
@@ -1669,7 +1676,7 @@
           <a:p>
             <a:fld id="{DA27BDC4-C21F-4755-87AA-D32DA2EB70BF}" type="datetimeFigureOut">
               <a:rPr lang="en-US" smtClean="0"/>
-              <a:t>12/16/2023</a:t>
+              <a:t>12/17/2023</a:t>
             </a:fld>
             <a:endParaRPr lang="en-US"/>
           </a:p>
@@ -1937,7 +1944,7 @@
           <a:p>
             <a:fld id="{DA27BDC4-C21F-4755-87AA-D32DA2EB70BF}" type="datetimeFigureOut">
               <a:rPr lang="en-US" smtClean="0"/>
-              <a:t>12/16/2023</a:t>
+              <a:t>12/17/2023</a:t>
             </a:fld>
             <a:endParaRPr lang="en-US"/>
           </a:p>
@@ -2352,7 +2359,7 @@
           <a:p>
             <a:fld id="{DA27BDC4-C21F-4755-87AA-D32DA2EB70BF}" type="datetimeFigureOut">
               <a:rPr lang="en-US" smtClean="0"/>
-              <a:t>12/16/2023</a:t>
+              <a:t>12/17/2023</a:t>
             </a:fld>
             <a:endParaRPr lang="en-US"/>
           </a:p>
@@ -2494,7 +2501,7 @@
           <a:p>
             <a:fld id="{DA27BDC4-C21F-4755-87AA-D32DA2EB70BF}" type="datetimeFigureOut">
               <a:rPr lang="en-US" smtClean="0"/>
-              <a:t>12/16/2023</a:t>
+              <a:t>12/17/2023</a:t>
             </a:fld>
             <a:endParaRPr lang="en-US"/>
           </a:p>
@@ -2607,7 +2614,7 @@
           <a:p>
             <a:fld id="{DA27BDC4-C21F-4755-87AA-D32DA2EB70BF}" type="datetimeFigureOut">
               <a:rPr lang="en-US" smtClean="0"/>
-              <a:t>12/16/2023</a:t>
+              <a:t>12/17/2023</a:t>
             </a:fld>
             <a:endParaRPr lang="en-US"/>
           </a:p>
@@ -2920,7 +2927,7 @@
           <a:p>
             <a:fld id="{DA27BDC4-C21F-4755-87AA-D32DA2EB70BF}" type="datetimeFigureOut">
               <a:rPr lang="en-US" smtClean="0"/>
-              <a:t>12/16/2023</a:t>
+              <a:t>12/17/2023</a:t>
             </a:fld>
             <a:endParaRPr lang="en-US"/>
           </a:p>
@@ -3209,7 +3216,7 @@
           <a:p>
             <a:fld id="{DA27BDC4-C21F-4755-87AA-D32DA2EB70BF}" type="datetimeFigureOut">
               <a:rPr lang="en-US" smtClean="0"/>
-              <a:t>12/16/2023</a:t>
+              <a:t>12/17/2023</a:t>
             </a:fld>
             <a:endParaRPr lang="en-US"/>
           </a:p>
@@ -3452,7 +3459,7 @@
           <a:p>
             <a:fld id="{DA27BDC4-C21F-4755-87AA-D32DA2EB70BF}" type="datetimeFigureOut">
               <a:rPr lang="en-US" smtClean="0"/>
-              <a:t>12/16/2023</a:t>
+              <a:t>12/17/2023</a:t>
             </a:fld>
             <a:endParaRPr lang="en-US"/>
           </a:p>
@@ -3968,6 +3975,170 @@
           <p:cNvPr id="2" name="عنوان 1">
             <a:extLst>
               <a:ext uri="{FF2B5EF4-FFF2-40B4-BE49-F238E27FC236}">
+                <a16:creationId xmlns:a16="http://schemas.microsoft.com/office/drawing/2014/main" id="{DF1651FB-F5AB-31DE-CC6C-26ABB7FB9218}"/>
+              </a:ext>
+            </a:extLst>
+          </p:cNvPr>
+          <p:cNvSpPr>
+            <a:spLocks noGrp="1"/>
+          </p:cNvSpPr>
+          <p:nvPr>
+            <p:ph type="title"/>
+          </p:nvPr>
+        </p:nvSpPr>
+        <p:spPr/>
+        <p:txBody>
+          <a:bodyPr/>
+          <a:lstStyle/>
+          <a:p>
+            <a:pPr algn="l" rtl="0"/>
+            <a:r>
+              <a:rPr lang="en-US" dirty="0"/>
+              <a:t>			  Project Description</a:t>
+            </a:r>
+          </a:p>
+        </p:txBody>
+      </p:sp>
+      <p:sp>
+        <p:nvSpPr>
+          <p:cNvPr id="3" name="عنصر نائب للمحتوى 2">
+            <a:extLst>
+              <a:ext uri="{FF2B5EF4-FFF2-40B4-BE49-F238E27FC236}">
+                <a16:creationId xmlns:a16="http://schemas.microsoft.com/office/drawing/2014/main" id="{18FBE9AF-796D-3E3A-BE8A-C8403E521DB6}"/>
+              </a:ext>
+            </a:extLst>
+          </p:cNvPr>
+          <p:cNvSpPr>
+            <a:spLocks noGrp="1"/>
+          </p:cNvSpPr>
+          <p:nvPr>
+            <p:ph idx="1"/>
+          </p:nvPr>
+        </p:nvSpPr>
+        <p:spPr/>
+        <p:txBody>
+          <a:bodyPr>
+            <a:normAutofit fontScale="85000" lnSpcReduction="10000"/>
+          </a:bodyPr>
+          <a:lstStyle/>
+          <a:p>
+            <a:pPr marL="0" indent="0" algn="l" rtl="0">
+              <a:buNone/>
+            </a:pPr>
+            <a:r>
+              <a:rPr lang="en-US" dirty="0"/>
+              <a:t>Project  2: Word Statistics:</a:t>
+            </a:r>
+          </a:p>
+          <a:p>
+            <a:pPr marL="0" indent="0" algn="l" rtl="0">
+              <a:buNone/>
+            </a:pPr>
+            <a:r>
+              <a:rPr lang="en-US" dirty="0"/>
+              <a:t>Write a program that reads all text files form a specific directory and return word statistics (number of words </a:t>
+            </a:r>
+          </a:p>
+          <a:p>
+            <a:pPr marL="0" indent="0" algn="l" rtl="0">
+              <a:buNone/>
+            </a:pPr>
+            <a:r>
+              <a:rPr lang="en-US" dirty="0"/>
+              <a:t>per file/directory, longest word, shortest word, number of “is”, “are” and “you”).</a:t>
+            </a:r>
+          </a:p>
+          <a:p>
+            <a:pPr marL="0" indent="0" algn="l" rtl="0">
+              <a:buNone/>
+            </a:pPr>
+            <a:r>
+              <a:rPr lang="en-US" dirty="0"/>
+              <a:t>- The program should have a simple GUI</a:t>
+            </a:r>
+          </a:p>
+          <a:p>
+            <a:pPr marL="0" indent="0" algn="l" rtl="0">
+              <a:buNone/>
+            </a:pPr>
+            <a:r>
+              <a:rPr lang="en-US" dirty="0"/>
+              <a:t>- The input of the program is a directory</a:t>
+            </a:r>
+          </a:p>
+          <a:p>
+            <a:pPr marL="0" indent="0" algn="l" rtl="0">
+              <a:buNone/>
+            </a:pPr>
+            <a:r>
+              <a:rPr lang="en-US" dirty="0"/>
+              <a:t>o It should then search for all text files that reside in that directory</a:t>
+            </a:r>
+          </a:p>
+          <a:p>
+            <a:pPr marL="0" indent="0" algn="l" rtl="0">
+              <a:buNone/>
+            </a:pPr>
+            <a:r>
+              <a:rPr lang="en-US" dirty="0"/>
+              <a:t>o There should be an option to check for text files in subdirectories </a:t>
+            </a:r>
+          </a:p>
+          <a:p>
+            <a:pPr marL="0" indent="0" algn="l" rtl="0">
+              <a:buNone/>
+            </a:pPr>
+            <a:r>
+              <a:rPr lang="en-US" dirty="0"/>
+              <a:t>- While the program is processing text files, it should display them (file names) and the up-to-date</a:t>
+            </a:r>
+          </a:p>
+          <a:p>
+            <a:pPr marL="0" indent="0" algn="l" rtl="0">
+              <a:buNone/>
+            </a:pPr>
+            <a:r>
+              <a:rPr lang="en-US" dirty="0"/>
+              <a:t>statistics. (Statistics should be updated in run time)</a:t>
+            </a:r>
+          </a:p>
+        </p:txBody>
+      </p:sp>
+    </p:spTree>
+    <p:extLst>
+      <p:ext uri="{BB962C8B-B14F-4D97-AF65-F5344CB8AC3E}">
+        <p14:creationId xmlns:p14="http://schemas.microsoft.com/office/powerpoint/2010/main" val="2507496883"/>
+      </p:ext>
+    </p:extLst>
+  </p:cSld>
+  <p:clrMapOvr>
+    <a:masterClrMapping/>
+  </p:clrMapOvr>
+</p:sld>
+</file>
+
+<file path=ppt/slides/slide3.xml><?xml version="1.0" encoding="utf-8"?>
+<p:sld xmlns:a="http://schemas.openxmlformats.org/drawingml/2006/main" xmlns:r="http://schemas.openxmlformats.org/officeDocument/2006/relationships" xmlns:p="http://schemas.openxmlformats.org/presentationml/2006/main">
+  <p:cSld>
+    <p:spTree>
+      <p:nvGrpSpPr>
+        <p:cNvPr id="1" name=""/>
+        <p:cNvGrpSpPr/>
+        <p:nvPr/>
+      </p:nvGrpSpPr>
+      <p:grpSpPr>
+        <a:xfrm>
+          <a:off x="0" y="0"/>
+          <a:ext cx="0" cy="0"/>
+          <a:chOff x="0" y="0"/>
+          <a:chExt cx="0" cy="0"/>
+        </a:xfrm>
+      </p:grpSpPr>
+      <p:sp>
+        <p:nvSpPr>
+          <p:cNvPr id="2" name="عنوان 1">
+            <a:extLst>
+              <a:ext uri="{FF2B5EF4-FFF2-40B4-BE49-F238E27FC236}">
                 <a16:creationId xmlns:a16="http://schemas.microsoft.com/office/drawing/2014/main" id="{4F398F84-02CB-2F8E-EE2C-D1FBB54ADCB8}"/>
               </a:ext>
             </a:extLst>
@@ -4158,7 +4329,7 @@
 </p:sld>
 </file>
 
-<file path=ppt/slides/slide3.xml><?xml version="1.0" encoding="utf-8"?>
+<file path=ppt/slides/slide4.xml><?xml version="1.0" encoding="utf-8"?>
 <p:sld xmlns:a="http://schemas.openxmlformats.org/drawingml/2006/main" xmlns:r="http://schemas.openxmlformats.org/officeDocument/2006/relationships" xmlns:p="http://schemas.openxmlformats.org/presentationml/2006/main">
   <p:cSld>
     <p:spTree>
@@ -4397,7 +4568,7 @@
 </p:sld>
 </file>
 
-<file path=ppt/slides/slide4.xml><?xml version="1.0" encoding="utf-8"?>
+<file path=ppt/slides/slide5.xml><?xml version="1.0" encoding="utf-8"?>
 <p:sld xmlns:a="http://schemas.openxmlformats.org/drawingml/2006/main" xmlns:r="http://schemas.openxmlformats.org/officeDocument/2006/relationships" xmlns:p="http://schemas.openxmlformats.org/presentationml/2006/main">
   <p:cSld>
     <p:spTree>
@@ -4658,7 +4829,7 @@
 </p:sld>
 </file>
 
-<file path=ppt/slides/slide5.xml><?xml version="1.0" encoding="utf-8"?>
+<file path=ppt/slides/slide6.xml><?xml version="1.0" encoding="utf-8"?>
 <p:sld xmlns:a="http://schemas.openxmlformats.org/drawingml/2006/main" xmlns:r="http://schemas.openxmlformats.org/officeDocument/2006/relationships" xmlns:p="http://schemas.openxmlformats.org/presentationml/2006/main">
   <p:cSld>
     <p:spTree>
@@ -4884,7 +5055,7 @@
 </p:sld>
 </file>
 
-<file path=ppt/slides/slide6.xml><?xml version="1.0" encoding="utf-8"?>
+<file path=ppt/slides/slide7.xml><?xml version="1.0" encoding="utf-8"?>
 <p:sld xmlns:a="http://schemas.openxmlformats.org/drawingml/2006/main" xmlns:r="http://schemas.openxmlformats.org/officeDocument/2006/relationships" xmlns:p="http://schemas.openxmlformats.org/presentationml/2006/main">
   <p:cSld>
     <p:spTree>
@@ -5156,7 +5327,7 @@
 </p:sld>
 </file>
 
-<file path=ppt/slides/slide7.xml><?xml version="1.0" encoding="utf-8"?>
+<file path=ppt/slides/slide8.xml><?xml version="1.0" encoding="utf-8"?>
 <p:sld xmlns:a="http://schemas.openxmlformats.org/drawingml/2006/main" xmlns:r="http://schemas.openxmlformats.org/officeDocument/2006/relationships" xmlns:p="http://schemas.openxmlformats.org/presentationml/2006/main">
   <p:cSld>
     <p:spTree>
@@ -5313,6 +5484,529 @@
     <p:extLst>
       <p:ext uri="{BB962C8B-B14F-4D97-AF65-F5344CB8AC3E}">
         <p14:creationId xmlns:p14="http://schemas.microsoft.com/office/powerpoint/2010/main" val="1272812860"/>
+      </p:ext>
+    </p:extLst>
+  </p:cSld>
+  <p:clrMapOvr>
+    <a:masterClrMapping/>
+  </p:clrMapOvr>
+</p:sld>
+</file>
+
+<file path=ppt/slides/slide9.xml><?xml version="1.0" encoding="utf-8"?>
+<p:sld xmlns:a="http://schemas.openxmlformats.org/drawingml/2006/main" xmlns:r="http://schemas.openxmlformats.org/officeDocument/2006/relationships" xmlns:p="http://schemas.openxmlformats.org/presentationml/2006/main">
+  <p:cSld>
+    <p:spTree>
+      <p:nvGrpSpPr>
+        <p:cNvPr id="1" name=""/>
+        <p:cNvGrpSpPr/>
+        <p:nvPr/>
+      </p:nvGrpSpPr>
+      <p:grpSpPr>
+        <a:xfrm>
+          <a:off x="0" y="0"/>
+          <a:ext cx="0" cy="0"/>
+          <a:chOff x="0" y="0"/>
+          <a:chExt cx="0" cy="0"/>
+        </a:xfrm>
+      </p:grpSpPr>
+      <p:sp>
+        <p:nvSpPr>
+          <p:cNvPr id="2" name="عنوان 1">
+            <a:extLst>
+              <a:ext uri="{FF2B5EF4-FFF2-40B4-BE49-F238E27FC236}">
+                <a16:creationId xmlns:a16="http://schemas.microsoft.com/office/drawing/2014/main" id="{83307AD2-DE9E-D145-C3CB-3A26BBD74DF2}"/>
+              </a:ext>
+            </a:extLst>
+          </p:cNvPr>
+          <p:cNvSpPr>
+            <a:spLocks noGrp="1"/>
+          </p:cNvSpPr>
+          <p:nvPr>
+            <p:ph type="title"/>
+          </p:nvPr>
+        </p:nvSpPr>
+        <p:spPr>
+          <a:xfrm>
+            <a:off x="665164" y="5555"/>
+            <a:ext cx="4529006" cy="1173957"/>
+          </a:xfrm>
+        </p:spPr>
+        <p:txBody>
+          <a:bodyPr/>
+          <a:lstStyle/>
+          <a:p>
+            <a:pPr algn="l" rtl="0"/>
+            <a:r>
+              <a:rPr lang="en-US" dirty="0"/>
+              <a:t>Project Members</a:t>
+            </a:r>
+          </a:p>
+        </p:txBody>
+      </p:sp>
+      <p:sp>
+        <p:nvSpPr>
+          <p:cNvPr id="3" name="عنصر نائب للنص 2">
+            <a:extLst>
+              <a:ext uri="{FF2B5EF4-FFF2-40B4-BE49-F238E27FC236}">
+                <a16:creationId xmlns:a16="http://schemas.microsoft.com/office/drawing/2014/main" id="{276E85D8-DB9A-FC8A-D75F-2FD72A51DECB}"/>
+              </a:ext>
+            </a:extLst>
+          </p:cNvPr>
+          <p:cNvSpPr>
+            <a:spLocks noGrp="1"/>
+          </p:cNvSpPr>
+          <p:nvPr>
+            <p:ph type="body" idx="1"/>
+          </p:nvPr>
+        </p:nvSpPr>
+        <p:spPr>
+          <a:xfrm>
+            <a:off x="839788" y="1112362"/>
+            <a:ext cx="5157787" cy="1392713"/>
+          </a:xfrm>
+        </p:spPr>
+        <p:txBody>
+          <a:bodyPr>
+            <a:normAutofit fontScale="85000" lnSpcReduction="20000"/>
+          </a:bodyPr>
+          <a:lstStyle/>
+          <a:p>
+            <a:r>
+              <a:rPr lang="ar-SA" dirty="0"/>
+              <a:t>ايمان ايهاب ابراهيم محمد 20210201</a:t>
+            </a:r>
+            <a:endParaRPr lang="en-US" dirty="0"/>
+          </a:p>
+          <a:p>
+            <a:r>
+              <a:rPr lang="ar-SA" dirty="0" err="1"/>
+              <a:t>بثينه</a:t>
+            </a:r>
+            <a:r>
+              <a:rPr lang="ar-SA" dirty="0"/>
+              <a:t> عصام محمد اسماعيل</a:t>
+            </a:r>
+            <a:r>
+              <a:rPr lang="en-US" dirty="0"/>
+              <a:t> </a:t>
+            </a:r>
+            <a:r>
+              <a:rPr lang="ar-SA" dirty="0"/>
+              <a:t>20210218</a:t>
+            </a:r>
+            <a:endParaRPr lang="en-US" dirty="0"/>
+          </a:p>
+          <a:p>
+            <a:r>
+              <a:rPr lang="ar-SA" dirty="0" err="1"/>
+              <a:t>تريڤينا</a:t>
+            </a:r>
+            <a:r>
+              <a:rPr lang="ar-SA" dirty="0"/>
+              <a:t> رضا امين جرجس20210236</a:t>
+            </a:r>
+            <a:r>
+              <a:rPr lang="en-US" dirty="0"/>
+              <a:t>    </a:t>
+            </a:r>
+          </a:p>
+          <a:p>
+            <a:r>
+              <a:rPr lang="ar-SA" dirty="0" err="1"/>
+              <a:t>آيه</a:t>
+            </a:r>
+            <a:r>
+              <a:rPr lang="ar-SA" dirty="0"/>
+              <a:t> محمد علي عبدالوهاب 20210210</a:t>
+            </a:r>
+            <a:endParaRPr lang="en-US" dirty="0"/>
+          </a:p>
+        </p:txBody>
+      </p:sp>
+      <p:sp>
+        <p:nvSpPr>
+          <p:cNvPr id="4" name="عنصر نائب للمحتوى 3">
+            <a:extLst>
+              <a:ext uri="{FF2B5EF4-FFF2-40B4-BE49-F238E27FC236}">
+                <a16:creationId xmlns:a16="http://schemas.microsoft.com/office/drawing/2014/main" id="{D91CEA35-C063-6690-DDCD-DE968ABED9F9}"/>
+              </a:ext>
+            </a:extLst>
+          </p:cNvPr>
+          <p:cNvSpPr>
+            <a:spLocks noGrp="1"/>
+          </p:cNvSpPr>
+          <p:nvPr>
+            <p:ph sz="half" idx="2"/>
+          </p:nvPr>
+        </p:nvSpPr>
+        <p:spPr>
+          <a:xfrm>
+            <a:off x="1282045" y="2684183"/>
+            <a:ext cx="4715530" cy="3301837"/>
+          </a:xfrm>
+        </p:spPr>
+        <p:txBody>
+          <a:bodyPr>
+            <a:normAutofit fontScale="62500" lnSpcReduction="20000"/>
+          </a:bodyPr>
+          <a:lstStyle/>
+          <a:p>
+            <a:pPr marL="0" indent="0" algn="l" rtl="0">
+              <a:buNone/>
+            </a:pPr>
+            <a:r>
+              <a:rPr lang="en-US" dirty="0">
+                <a:solidFill>
+                  <a:schemeClr val="accent3">
+                    <a:lumMod val="75000"/>
+                  </a:schemeClr>
+                </a:solidFill>
+              </a:rPr>
+              <a:t>- </a:t>
+            </a:r>
+            <a:r>
+              <a:rPr lang="en-US" dirty="0" err="1">
+                <a:solidFill>
+                  <a:schemeClr val="accent3">
+                    <a:lumMod val="75000"/>
+                  </a:schemeClr>
+                </a:solidFill>
+              </a:rPr>
+              <a:t>Eman</a:t>
+            </a:r>
+            <a:r>
+              <a:rPr lang="en-US" dirty="0">
+                <a:solidFill>
+                  <a:schemeClr val="accent3">
+                    <a:lumMod val="75000"/>
+                  </a:schemeClr>
+                </a:solidFill>
+              </a:rPr>
+              <a:t> worked initializing the GUI components</a:t>
+            </a:r>
+          </a:p>
+          <a:p>
+            <a:pPr marL="0" indent="0" algn="l" rtl="0">
+              <a:buNone/>
+            </a:pPr>
+            <a:endParaRPr lang="en-US" dirty="0">
+              <a:solidFill>
+                <a:schemeClr val="accent3">
+                  <a:lumMod val="75000"/>
+                </a:schemeClr>
+              </a:solidFill>
+            </a:endParaRPr>
+          </a:p>
+          <a:p>
+            <a:pPr marL="0" indent="0" algn="l" rtl="0">
+              <a:buNone/>
+            </a:pPr>
+            <a:r>
+              <a:rPr lang="en-US" dirty="0">
+                <a:solidFill>
+                  <a:schemeClr val="accent3">
+                    <a:lumMod val="75000"/>
+                  </a:schemeClr>
+                </a:solidFill>
+              </a:rPr>
+              <a:t>- </a:t>
+            </a:r>
+            <a:r>
+              <a:rPr lang="en-US" dirty="0" err="1">
+                <a:solidFill>
+                  <a:schemeClr val="accent3">
+                    <a:lumMod val="75000"/>
+                  </a:schemeClr>
+                </a:solidFill>
+              </a:rPr>
+              <a:t>Buthaina</a:t>
+            </a:r>
+            <a:r>
+              <a:rPr lang="en-US" dirty="0">
+                <a:solidFill>
+                  <a:schemeClr val="accent3">
+                    <a:lumMod val="75000"/>
+                  </a:schemeClr>
+                </a:solidFill>
+              </a:rPr>
+              <a:t> worked on </a:t>
+            </a:r>
+            <a:r>
+              <a:rPr lang="en-US" dirty="0" err="1">
+                <a:solidFill>
+                  <a:schemeClr val="accent3">
+                    <a:lumMod val="75000"/>
+                  </a:schemeClr>
+                </a:solidFill>
+              </a:rPr>
+              <a:t>processDirectory</a:t>
+            </a:r>
+            <a:r>
+              <a:rPr lang="en-US" dirty="0">
+                <a:solidFill>
+                  <a:schemeClr val="accent3">
+                    <a:lumMod val="75000"/>
+                  </a:schemeClr>
+                </a:solidFill>
+              </a:rPr>
+              <a:t>() function.</a:t>
+            </a:r>
+          </a:p>
+          <a:p>
+            <a:pPr marL="0" indent="0" algn="l" rtl="0">
+              <a:buNone/>
+            </a:pPr>
+            <a:endParaRPr lang="en-US" dirty="0">
+              <a:solidFill>
+                <a:schemeClr val="accent3">
+                  <a:lumMod val="75000"/>
+                </a:schemeClr>
+              </a:solidFill>
+            </a:endParaRPr>
+          </a:p>
+          <a:p>
+            <a:pPr marL="0" indent="0" algn="l" rtl="0">
+              <a:buNone/>
+            </a:pPr>
+            <a:r>
+              <a:rPr lang="en-US" dirty="0">
+                <a:solidFill>
+                  <a:schemeClr val="accent3">
+                    <a:lumMod val="75000"/>
+                  </a:schemeClr>
+                </a:solidFill>
+              </a:rPr>
+              <a:t>-</a:t>
+            </a:r>
+            <a:r>
+              <a:rPr lang="en-US" dirty="0" err="1">
+                <a:solidFill>
+                  <a:schemeClr val="accent3">
+                    <a:lumMod val="75000"/>
+                  </a:schemeClr>
+                </a:solidFill>
+              </a:rPr>
+              <a:t>Terevena</a:t>
+            </a:r>
+            <a:r>
+              <a:rPr lang="en-US" dirty="0">
+                <a:solidFill>
+                  <a:schemeClr val="accent3">
+                    <a:lumMod val="75000"/>
+                  </a:schemeClr>
+                </a:solidFill>
+              </a:rPr>
+              <a:t> worked on </a:t>
+            </a:r>
+            <a:r>
+              <a:rPr lang="en-US" dirty="0" err="1">
+                <a:solidFill>
+                  <a:schemeClr val="accent3">
+                    <a:lumMod val="75000"/>
+                  </a:schemeClr>
+                </a:solidFill>
+              </a:rPr>
+              <a:t>listFilePaths</a:t>
+            </a:r>
+            <a:r>
+              <a:rPr lang="en-US" dirty="0">
+                <a:solidFill>
+                  <a:schemeClr val="accent3">
+                    <a:lumMod val="75000"/>
+                  </a:schemeClr>
+                </a:solidFill>
+              </a:rPr>
+              <a:t>() function.</a:t>
+            </a:r>
+          </a:p>
+          <a:p>
+            <a:pPr marL="0" indent="0" algn="l" rtl="0">
+              <a:buNone/>
+            </a:pPr>
+            <a:endParaRPr lang="en-US" dirty="0">
+              <a:solidFill>
+                <a:schemeClr val="accent3">
+                  <a:lumMod val="75000"/>
+                </a:schemeClr>
+              </a:solidFill>
+            </a:endParaRPr>
+          </a:p>
+          <a:p>
+            <a:pPr marL="0" indent="0" algn="l" rtl="0">
+              <a:buNone/>
+            </a:pPr>
+            <a:r>
+              <a:rPr lang="en-US" dirty="0">
+                <a:solidFill>
+                  <a:schemeClr val="accent3">
+                    <a:lumMod val="75000"/>
+                  </a:schemeClr>
+                </a:solidFill>
+              </a:rPr>
+              <a:t>-Aya worked on solving the problem of the program crashing when using a new directory while an old one is chosen.</a:t>
+            </a:r>
+          </a:p>
+        </p:txBody>
+      </p:sp>
+      <p:sp>
+        <p:nvSpPr>
+          <p:cNvPr id="5" name="عنصر نائب للنص 4">
+            <a:extLst>
+              <a:ext uri="{FF2B5EF4-FFF2-40B4-BE49-F238E27FC236}">
+                <a16:creationId xmlns:a16="http://schemas.microsoft.com/office/drawing/2014/main" id="{167398A7-A703-A4D5-7079-CC7CC7F7D65F}"/>
+              </a:ext>
+            </a:extLst>
+          </p:cNvPr>
+          <p:cNvSpPr>
+            <a:spLocks noGrp="1"/>
+          </p:cNvSpPr>
+          <p:nvPr>
+            <p:ph type="body" sz="quarter" idx="3"/>
+          </p:nvPr>
+        </p:nvSpPr>
+        <p:spPr>
+          <a:xfrm>
+            <a:off x="7136090" y="1018381"/>
+            <a:ext cx="4216121" cy="1325563"/>
+          </a:xfrm>
+        </p:spPr>
+        <p:txBody>
+          <a:bodyPr>
+            <a:normAutofit fontScale="85000" lnSpcReduction="20000"/>
+          </a:bodyPr>
+          <a:lstStyle/>
+          <a:p>
+            <a:r>
+              <a:rPr lang="ar-EG" dirty="0"/>
+              <a:t>بسام عماد </a:t>
+            </a:r>
+            <a:r>
+              <a:rPr lang="ar-EG" dirty="0" err="1"/>
+              <a:t>حمدى</a:t>
+            </a:r>
+            <a:r>
+              <a:rPr lang="ar-EG" dirty="0"/>
+              <a:t> عبدالكريم 20210222	</a:t>
+            </a:r>
+          </a:p>
+          <a:p>
+            <a:r>
+              <a:rPr lang="ar-EG" dirty="0"/>
+              <a:t>باسم ياسر رجب عمر 20210217</a:t>
+            </a:r>
+          </a:p>
+          <a:p>
+            <a:r>
+              <a:rPr lang="ar-EG" dirty="0"/>
+              <a:t>جميل محمد جميل حسن 20210252</a:t>
+            </a:r>
+            <a:endParaRPr lang="en-US" dirty="0"/>
+          </a:p>
+        </p:txBody>
+      </p:sp>
+      <p:sp>
+        <p:nvSpPr>
+          <p:cNvPr id="6" name="عنصر نائب للمحتوى 5">
+            <a:extLst>
+              <a:ext uri="{FF2B5EF4-FFF2-40B4-BE49-F238E27FC236}">
+                <a16:creationId xmlns:a16="http://schemas.microsoft.com/office/drawing/2014/main" id="{9FF9F45E-B186-86FA-0107-39A582F37D41}"/>
+              </a:ext>
+            </a:extLst>
+          </p:cNvPr>
+          <p:cNvSpPr>
+            <a:spLocks noGrp="1"/>
+          </p:cNvSpPr>
+          <p:nvPr>
+            <p:ph sz="quarter" idx="4"/>
+          </p:nvPr>
+        </p:nvSpPr>
+        <p:spPr>
+          <a:xfrm>
+            <a:off x="7008812" y="2684183"/>
+            <a:ext cx="5183188" cy="3125952"/>
+          </a:xfrm>
+        </p:spPr>
+        <p:txBody>
+          <a:bodyPr>
+            <a:normAutofit fontScale="62500" lnSpcReduction="20000"/>
+          </a:bodyPr>
+          <a:lstStyle/>
+          <a:p>
+            <a:pPr marL="0" indent="0" algn="l" rtl="0">
+              <a:buNone/>
+            </a:pPr>
+            <a:r>
+              <a:rPr lang="en-US" dirty="0">
+                <a:solidFill>
+                  <a:schemeClr val="accent3">
+                    <a:lumMod val="75000"/>
+                  </a:schemeClr>
+                </a:solidFill>
+              </a:rPr>
+              <a:t>- Gamil worked on creating counting/getting length functions.</a:t>
+            </a:r>
+          </a:p>
+          <a:p>
+            <a:pPr marL="0" indent="0" algn="l" rtl="0">
+              <a:buNone/>
+            </a:pPr>
+            <a:endParaRPr lang="en-US" dirty="0">
+              <a:solidFill>
+                <a:schemeClr val="accent3">
+                  <a:lumMod val="75000"/>
+                </a:schemeClr>
+              </a:solidFill>
+            </a:endParaRPr>
+          </a:p>
+          <a:p>
+            <a:pPr marL="0" indent="0" algn="l" rtl="0">
+              <a:buNone/>
+            </a:pPr>
+            <a:r>
+              <a:rPr lang="en-US" dirty="0">
+                <a:solidFill>
+                  <a:schemeClr val="accent3">
+                    <a:lumMod val="75000"/>
+                  </a:schemeClr>
+                </a:solidFill>
+              </a:rPr>
+              <a:t>- Bassam worked on creating main thread, file process thread and making an explanation video.</a:t>
+            </a:r>
+          </a:p>
+          <a:p>
+            <a:pPr marL="0" indent="0" algn="l" rtl="0">
+              <a:buNone/>
+            </a:pPr>
+            <a:endParaRPr lang="en-US" dirty="0">
+              <a:solidFill>
+                <a:schemeClr val="accent3">
+                  <a:lumMod val="75000"/>
+                </a:schemeClr>
+              </a:solidFill>
+            </a:endParaRPr>
+          </a:p>
+          <a:p>
+            <a:pPr marL="0" indent="0" algn="l" rtl="0">
+              <a:buNone/>
+            </a:pPr>
+            <a:r>
+              <a:rPr lang="en-US" dirty="0">
+                <a:solidFill>
+                  <a:schemeClr val="accent3">
+                    <a:lumMod val="75000"/>
+                  </a:schemeClr>
+                </a:solidFill>
+              </a:rPr>
+              <a:t>- Bassem Yasser worked on making the program real-time.</a:t>
+            </a:r>
+          </a:p>
+        </p:txBody>
+      </p:sp>
+    </p:spTree>
+    <p:extLst>
+      <p:ext uri="{BB962C8B-B14F-4D97-AF65-F5344CB8AC3E}">
+        <p14:creationId xmlns:p14="http://schemas.microsoft.com/office/powerpoint/2010/main" val="1920329369"/>
       </p:ext>
     </p:extLst>
   </p:cSld>

--- a/Word Statistic Documentation.pptx
+++ b/Word Statistic Documentation.pptx
@@ -5,18 +5,19 @@
     <p:sldMasterId id="2147483648" r:id="rId1"/>
   </p:sldMasterIdLst>
   <p:notesMasterIdLst>
-    <p:notesMasterId r:id="rId11"/>
+    <p:notesMasterId r:id="rId12"/>
   </p:notesMasterIdLst>
   <p:sldIdLst>
     <p:sldId id="256" r:id="rId2"/>
     <p:sldId id="263" r:id="rId3"/>
-    <p:sldId id="262" r:id="rId4"/>
-    <p:sldId id="257" r:id="rId5"/>
-    <p:sldId id="258" r:id="rId6"/>
-    <p:sldId id="259" r:id="rId7"/>
-    <p:sldId id="260" r:id="rId8"/>
-    <p:sldId id="261" r:id="rId9"/>
-    <p:sldId id="264" r:id="rId10"/>
+    <p:sldId id="264" r:id="rId4"/>
+    <p:sldId id="262" r:id="rId5"/>
+    <p:sldId id="257" r:id="rId6"/>
+    <p:sldId id="258" r:id="rId7"/>
+    <p:sldId id="259" r:id="rId8"/>
+    <p:sldId id="260" r:id="rId9"/>
+    <p:sldId id="261" r:id="rId10"/>
+    <p:sldId id="265" r:id="rId11"/>
   </p:sldIdLst>
   <p:sldSz cx="12192000" cy="6858000"/>
   <p:notesSz cx="6858000" cy="9144000"/>
@@ -622,7 +623,7 @@
           <a:p>
             <a:fld id="{FBD21C68-9E7A-466B-BBA4-39A2024850AF}" type="slidenum">
               <a:rPr lang="en-US" smtClean="0"/>
-              <a:t>7</a:t>
+              <a:t>8</a:t>
             </a:fld>
             <a:endParaRPr lang="en-US"/>
           </a:p>
@@ -3862,6 +3863,14 @@
 <file path=ppt/slides/slide1.xml><?xml version="1.0" encoding="utf-8"?>
 <p:sld xmlns:a="http://schemas.openxmlformats.org/drawingml/2006/main" xmlns:r="http://schemas.openxmlformats.org/officeDocument/2006/relationships" xmlns:p="http://schemas.openxmlformats.org/presentationml/2006/main">
   <p:cSld>
+    <p:bg>
+      <p:bgPr>
+        <a:solidFill>
+          <a:schemeClr val="bg1"/>
+        </a:solidFill>
+        <a:effectLst/>
+      </p:bgPr>
+    </p:bg>
     <p:spTree>
       <p:nvGrpSpPr>
         <p:cNvPr id="1" name=""/>
@@ -3876,6 +3885,457 @@
           <a:chExt cx="0" cy="0"/>
         </a:xfrm>
       </p:grpSpPr>
+      <p:sp useBgFill="1">
+        <p:nvSpPr>
+          <p:cNvPr id="38" name="Rectangle 37">
+            <a:extLst>
+              <a:ext uri="{FF2B5EF4-FFF2-40B4-BE49-F238E27FC236}">
+                <a16:creationId xmlns:a16="http://schemas.microsoft.com/office/drawing/2014/main" id="{FFD48BC7-DC40-47DE-87EE-9F4B6ECB9ABB}"/>
+              </a:ext>
+              <a:ext uri="{C183D7F6-B498-43B3-948B-1728B52AA6E4}">
+                <adec:decorative xmlns:adec="http://schemas.microsoft.com/office/drawing/2017/decorative" val="1"/>
+              </a:ext>
+            </a:extLst>
+          </p:cNvPr>
+          <p:cNvSpPr>
+            <a:spLocks noGrp="1" noRot="1" noChangeAspect="1" noMove="1" noResize="1" noEditPoints="1" noAdjustHandles="1" noChangeArrowheads="1" noChangeShapeType="1" noTextEdit="1"/>
+          </p:cNvSpPr>
+          <p:nvPr>
+            <p:extLst>
+              <p:ext uri="{386F3935-93C4-4BCD-93E2-E3B085C9AB24}">
+                <p16:designElem xmlns:p16="http://schemas.microsoft.com/office/powerpoint/2015/main" val="1"/>
+              </p:ext>
+            </p:extLst>
+          </p:nvPr>
+        </p:nvSpPr>
+        <p:spPr>
+          <a:xfrm>
+            <a:off x="0" y="0"/>
+            <a:ext cx="12192000" cy="6858000"/>
+          </a:xfrm>
+          <a:prstGeom prst="rect">
+            <a:avLst/>
+          </a:prstGeom>
+          <a:ln>
+            <a:noFill/>
+          </a:ln>
+        </p:spPr>
+        <p:style>
+          <a:lnRef idx="2">
+            <a:schemeClr val="accent1">
+              <a:shade val="50000"/>
+            </a:schemeClr>
+          </a:lnRef>
+          <a:fillRef idx="1">
+            <a:schemeClr val="accent1"/>
+          </a:fillRef>
+          <a:effectRef idx="0">
+            <a:schemeClr val="accent1"/>
+          </a:effectRef>
+          <a:fontRef idx="minor">
+            <a:schemeClr val="lt1"/>
+          </a:fontRef>
+        </p:style>
+        <p:txBody>
+          <a:bodyPr rtlCol="0" anchor="ctr"/>
+          <a:lstStyle/>
+          <a:p>
+            <a:pPr algn="ctr"/>
+            <a:endParaRPr lang="en-US"/>
+          </a:p>
+        </p:txBody>
+      </p:sp>
+      <p:sp useBgFill="1">
+        <p:nvSpPr>
+          <p:cNvPr id="40" name="Freeform: Shape 39">
+            <a:extLst>
+              <a:ext uri="{FF2B5EF4-FFF2-40B4-BE49-F238E27FC236}">
+                <a16:creationId xmlns:a16="http://schemas.microsoft.com/office/drawing/2014/main" id="{E502BBC7-2C76-46F3-BC24-5985BC13DB88}"/>
+              </a:ext>
+              <a:ext uri="{C183D7F6-B498-43B3-948B-1728B52AA6E4}">
+                <adec:decorative xmlns:adec="http://schemas.microsoft.com/office/drawing/2017/decorative" val="1"/>
+              </a:ext>
+            </a:extLst>
+          </p:cNvPr>
+          <p:cNvSpPr>
+            <a:spLocks noGrp="1" noRot="1" noChangeAspect="1" noMove="1" noResize="1" noEditPoints="1" noAdjustHandles="1" noChangeArrowheads="1" noChangeShapeType="1" noTextEdit="1"/>
+          </p:cNvSpPr>
+          <p:nvPr>
+            <p:extLst>
+              <p:ext uri="{386F3935-93C4-4BCD-93E2-E3B085C9AB24}">
+                <p16:designElem xmlns:p16="http://schemas.microsoft.com/office/powerpoint/2015/main" val="1"/>
+              </p:ext>
+            </p:extLst>
+          </p:nvPr>
+        </p:nvSpPr>
+        <p:spPr>
+          <a:xfrm>
+            <a:off x="1114425" y="0"/>
+            <a:ext cx="9963150" cy="6858000"/>
+          </a:xfrm>
+          <a:custGeom>
+            <a:avLst/>
+            <a:gdLst>
+              <a:gd name="connsiteX0" fmla="*/ 1595771 w 9963150"/>
+              <a:gd name="connsiteY0" fmla="*/ 0 h 6858000"/>
+              <a:gd name="connsiteX1" fmla="*/ 8367379 w 9963150"/>
+              <a:gd name="connsiteY1" fmla="*/ 0 h 6858000"/>
+              <a:gd name="connsiteX2" fmla="*/ 8504080 w 9963150"/>
+              <a:gd name="connsiteY2" fmla="*/ 130333 h 6858000"/>
+              <a:gd name="connsiteX3" fmla="*/ 9963150 w 9963150"/>
+              <a:gd name="connsiteY3" fmla="*/ 3652838 h 6858000"/>
+              <a:gd name="connsiteX4" fmla="*/ 8825600 w 9963150"/>
+              <a:gd name="connsiteY4" fmla="*/ 6821583 h 6858000"/>
+              <a:gd name="connsiteX5" fmla="*/ 8794055 w 9963150"/>
+              <a:gd name="connsiteY5" fmla="*/ 6858000 h 6858000"/>
+              <a:gd name="connsiteX6" fmla="*/ 1169096 w 9963150"/>
+              <a:gd name="connsiteY6" fmla="*/ 6858000 h 6858000"/>
+              <a:gd name="connsiteX7" fmla="*/ 1137550 w 9963150"/>
+              <a:gd name="connsiteY7" fmla="*/ 6821583 h 6858000"/>
+              <a:gd name="connsiteX8" fmla="*/ 0 w 9963150"/>
+              <a:gd name="connsiteY8" fmla="*/ 3652838 h 6858000"/>
+              <a:gd name="connsiteX9" fmla="*/ 1459070 w 9963150"/>
+              <a:gd name="connsiteY9" fmla="*/ 130333 h 6858000"/>
+            </a:gdLst>
+            <a:ahLst/>
+            <a:cxnLst>
+              <a:cxn ang="0">
+                <a:pos x="connsiteX0" y="connsiteY0"/>
+              </a:cxn>
+              <a:cxn ang="0">
+                <a:pos x="connsiteX1" y="connsiteY1"/>
+              </a:cxn>
+              <a:cxn ang="0">
+                <a:pos x="connsiteX2" y="connsiteY2"/>
+              </a:cxn>
+              <a:cxn ang="0">
+                <a:pos x="connsiteX3" y="connsiteY3"/>
+              </a:cxn>
+              <a:cxn ang="0">
+                <a:pos x="connsiteX4" y="connsiteY4"/>
+              </a:cxn>
+              <a:cxn ang="0">
+                <a:pos x="connsiteX5" y="connsiteY5"/>
+              </a:cxn>
+              <a:cxn ang="0">
+                <a:pos x="connsiteX6" y="connsiteY6"/>
+              </a:cxn>
+              <a:cxn ang="0">
+                <a:pos x="connsiteX7" y="connsiteY7"/>
+              </a:cxn>
+              <a:cxn ang="0">
+                <a:pos x="connsiteX8" y="connsiteY8"/>
+              </a:cxn>
+              <a:cxn ang="0">
+                <a:pos x="connsiteX9" y="connsiteY9"/>
+              </a:cxn>
+            </a:cxnLst>
+            <a:rect l="l" t="t" r="r" b="b"/>
+            <a:pathLst>
+              <a:path w="9963150" h="6858000">
+                <a:moveTo>
+                  <a:pt x="1595771" y="0"/>
+                </a:moveTo>
+                <a:lnTo>
+                  <a:pt x="8367379" y="0"/>
+                </a:lnTo>
+                <a:lnTo>
+                  <a:pt x="8504080" y="130333"/>
+                </a:lnTo>
+                <a:cubicBezTo>
+                  <a:pt x="9405568" y="1031820"/>
+                  <a:pt x="9963150" y="2277214"/>
+                  <a:pt x="9963150" y="3652838"/>
+                </a:cubicBezTo>
+                <a:cubicBezTo>
+                  <a:pt x="9963150" y="4856509"/>
+                  <a:pt x="9536251" y="5960473"/>
+                  <a:pt x="8825600" y="6821583"/>
+                </a:cubicBezTo>
+                <a:lnTo>
+                  <a:pt x="8794055" y="6858000"/>
+                </a:lnTo>
+                <a:lnTo>
+                  <a:pt x="1169096" y="6858000"/>
+                </a:lnTo>
+                <a:lnTo>
+                  <a:pt x="1137550" y="6821583"/>
+                </a:lnTo>
+                <a:cubicBezTo>
+                  <a:pt x="426899" y="5960473"/>
+                  <a:pt x="0" y="4856509"/>
+                  <a:pt x="0" y="3652838"/>
+                </a:cubicBezTo>
+                <a:cubicBezTo>
+                  <a:pt x="0" y="2277214"/>
+                  <a:pt x="557582" y="1031820"/>
+                  <a:pt x="1459070" y="130333"/>
+                </a:cubicBezTo>
+                <a:close/>
+              </a:path>
+            </a:pathLst>
+          </a:custGeom>
+          <a:ln w="9525">
+            <a:solidFill>
+              <a:srgbClr val="EFEFEF"/>
+            </a:solidFill>
+          </a:ln>
+          <a:effectLst>
+            <a:outerShdw blurRad="139700" sx="102000" sy="102000" algn="ctr" rotWithShape="0">
+              <a:schemeClr val="bg1">
+                <a:lumMod val="85000"/>
+                <a:alpha val="38000"/>
+              </a:schemeClr>
+            </a:outerShdw>
+          </a:effectLst>
+        </p:spPr>
+        <p:style>
+          <a:lnRef idx="2">
+            <a:schemeClr val="accent1">
+              <a:shade val="50000"/>
+            </a:schemeClr>
+          </a:lnRef>
+          <a:fillRef idx="1">
+            <a:schemeClr val="accent1"/>
+          </a:fillRef>
+          <a:effectRef idx="0">
+            <a:schemeClr val="accent1"/>
+          </a:effectRef>
+          <a:fontRef idx="minor">
+            <a:schemeClr val="lt1"/>
+          </a:fontRef>
+        </p:style>
+        <p:txBody>
+          <a:bodyPr wrap="square" rtlCol="0" anchor="ctr">
+            <a:noAutofit/>
+          </a:bodyPr>
+          <a:lstStyle/>
+          <a:p>
+            <a:pPr marL="0" marR="0" lvl="0" indent="0" algn="ctr" defTabSz="914400" rtl="0" eaLnBrk="1" fontAlgn="auto" latinLnBrk="0" hangingPunct="1">
+              <a:lnSpc>
+                <a:spcPct val="100000"/>
+              </a:lnSpc>
+              <a:spcBef>
+                <a:spcPts val="0"/>
+              </a:spcBef>
+              <a:spcAft>
+                <a:spcPts val="0"/>
+              </a:spcAft>
+              <a:buClrTx/>
+              <a:buSzTx/>
+              <a:buFontTx/>
+              <a:buNone/>
+              <a:tabLst/>
+              <a:defRPr/>
+            </a:pPr>
+            <a:endParaRPr kumimoji="0" lang="en-US" sz="1800" b="0" i="0" u="none" strike="noStrike" kern="1200" cap="none" spc="0" normalizeH="0" baseline="0" noProof="0">
+              <a:ln>
+                <a:noFill/>
+              </a:ln>
+              <a:solidFill>
+                <a:prstClr val="white"/>
+              </a:solidFill>
+              <a:effectLst/>
+              <a:uLnTx/>
+              <a:uFillTx/>
+              <a:latin typeface="Calibri" panose="020F0502020204030204"/>
+              <a:ea typeface="+mn-ea"/>
+              <a:cs typeface="+mn-cs"/>
+            </a:endParaRPr>
+          </a:p>
+        </p:txBody>
+      </p:sp>
+      <p:sp useBgFill="1">
+        <p:nvSpPr>
+          <p:cNvPr id="42" name="Freeform: Shape 41">
+            <a:extLst>
+              <a:ext uri="{FF2B5EF4-FFF2-40B4-BE49-F238E27FC236}">
+                <a16:creationId xmlns:a16="http://schemas.microsoft.com/office/drawing/2014/main" id="{C7F28D52-2A5F-4D23-81AE-7CB8B591C7AF}"/>
+              </a:ext>
+              <a:ext uri="{C183D7F6-B498-43B3-948B-1728B52AA6E4}">
+                <adec:decorative xmlns:adec="http://schemas.microsoft.com/office/drawing/2017/decorative" val="1"/>
+              </a:ext>
+            </a:extLst>
+          </p:cNvPr>
+          <p:cNvSpPr>
+            <a:spLocks noGrp="1" noRot="1" noChangeAspect="1" noMove="1" noResize="1" noEditPoints="1" noAdjustHandles="1" noChangeArrowheads="1" noChangeShapeType="1" noTextEdit="1"/>
+          </p:cNvSpPr>
+          <p:nvPr>
+            <p:extLst>
+              <p:ext uri="{386F3935-93C4-4BCD-93E2-E3B085C9AB24}">
+                <p16:designElem xmlns:p16="http://schemas.microsoft.com/office/powerpoint/2015/main" val="1"/>
+              </p:ext>
+            </p:extLst>
+          </p:nvPr>
+        </p:nvSpPr>
+        <p:spPr>
+          <a:xfrm>
+            <a:off x="1121664" y="0"/>
+            <a:ext cx="9948672" cy="6858000"/>
+          </a:xfrm>
+          <a:custGeom>
+            <a:avLst/>
+            <a:gdLst>
+              <a:gd name="connsiteX0" fmla="*/ 1595771 w 9963150"/>
+              <a:gd name="connsiteY0" fmla="*/ 0 h 6858000"/>
+              <a:gd name="connsiteX1" fmla="*/ 8367379 w 9963150"/>
+              <a:gd name="connsiteY1" fmla="*/ 0 h 6858000"/>
+              <a:gd name="connsiteX2" fmla="*/ 8504080 w 9963150"/>
+              <a:gd name="connsiteY2" fmla="*/ 130333 h 6858000"/>
+              <a:gd name="connsiteX3" fmla="*/ 9963150 w 9963150"/>
+              <a:gd name="connsiteY3" fmla="*/ 3652838 h 6858000"/>
+              <a:gd name="connsiteX4" fmla="*/ 8825600 w 9963150"/>
+              <a:gd name="connsiteY4" fmla="*/ 6821583 h 6858000"/>
+              <a:gd name="connsiteX5" fmla="*/ 8794055 w 9963150"/>
+              <a:gd name="connsiteY5" fmla="*/ 6858000 h 6858000"/>
+              <a:gd name="connsiteX6" fmla="*/ 1169096 w 9963150"/>
+              <a:gd name="connsiteY6" fmla="*/ 6858000 h 6858000"/>
+              <a:gd name="connsiteX7" fmla="*/ 1137550 w 9963150"/>
+              <a:gd name="connsiteY7" fmla="*/ 6821583 h 6858000"/>
+              <a:gd name="connsiteX8" fmla="*/ 0 w 9963150"/>
+              <a:gd name="connsiteY8" fmla="*/ 3652838 h 6858000"/>
+              <a:gd name="connsiteX9" fmla="*/ 1459070 w 9963150"/>
+              <a:gd name="connsiteY9" fmla="*/ 130333 h 6858000"/>
+            </a:gdLst>
+            <a:ahLst/>
+            <a:cxnLst>
+              <a:cxn ang="0">
+                <a:pos x="connsiteX0" y="connsiteY0"/>
+              </a:cxn>
+              <a:cxn ang="0">
+                <a:pos x="connsiteX1" y="connsiteY1"/>
+              </a:cxn>
+              <a:cxn ang="0">
+                <a:pos x="connsiteX2" y="connsiteY2"/>
+              </a:cxn>
+              <a:cxn ang="0">
+                <a:pos x="connsiteX3" y="connsiteY3"/>
+              </a:cxn>
+              <a:cxn ang="0">
+                <a:pos x="connsiteX4" y="connsiteY4"/>
+              </a:cxn>
+              <a:cxn ang="0">
+                <a:pos x="connsiteX5" y="connsiteY5"/>
+              </a:cxn>
+              <a:cxn ang="0">
+                <a:pos x="connsiteX6" y="connsiteY6"/>
+              </a:cxn>
+              <a:cxn ang="0">
+                <a:pos x="connsiteX7" y="connsiteY7"/>
+              </a:cxn>
+              <a:cxn ang="0">
+                <a:pos x="connsiteX8" y="connsiteY8"/>
+              </a:cxn>
+              <a:cxn ang="0">
+                <a:pos x="connsiteX9" y="connsiteY9"/>
+              </a:cxn>
+            </a:cxnLst>
+            <a:rect l="l" t="t" r="r" b="b"/>
+            <a:pathLst>
+              <a:path w="9963150" h="6858000">
+                <a:moveTo>
+                  <a:pt x="1595771" y="0"/>
+                </a:moveTo>
+                <a:lnTo>
+                  <a:pt x="8367379" y="0"/>
+                </a:lnTo>
+                <a:lnTo>
+                  <a:pt x="8504080" y="130333"/>
+                </a:lnTo>
+                <a:cubicBezTo>
+                  <a:pt x="9405568" y="1031820"/>
+                  <a:pt x="9963150" y="2277214"/>
+                  <a:pt x="9963150" y="3652838"/>
+                </a:cubicBezTo>
+                <a:cubicBezTo>
+                  <a:pt x="9963150" y="4856509"/>
+                  <a:pt x="9536251" y="5960473"/>
+                  <a:pt x="8825600" y="6821583"/>
+                </a:cubicBezTo>
+                <a:lnTo>
+                  <a:pt x="8794055" y="6858000"/>
+                </a:lnTo>
+                <a:lnTo>
+                  <a:pt x="1169096" y="6858000"/>
+                </a:lnTo>
+                <a:lnTo>
+                  <a:pt x="1137550" y="6821583"/>
+                </a:lnTo>
+                <a:cubicBezTo>
+                  <a:pt x="426899" y="5960473"/>
+                  <a:pt x="0" y="4856509"/>
+                  <a:pt x="0" y="3652838"/>
+                </a:cubicBezTo>
+                <a:cubicBezTo>
+                  <a:pt x="0" y="2277214"/>
+                  <a:pt x="557582" y="1031820"/>
+                  <a:pt x="1459070" y="130333"/>
+                </a:cubicBezTo>
+                <a:close/>
+              </a:path>
+            </a:pathLst>
+          </a:custGeom>
+          <a:ln w="9525">
+            <a:noFill/>
+          </a:ln>
+          <a:effectLst/>
+        </p:spPr>
+        <p:style>
+          <a:lnRef idx="2">
+            <a:schemeClr val="accent1">
+              <a:shade val="50000"/>
+            </a:schemeClr>
+          </a:lnRef>
+          <a:fillRef idx="1">
+            <a:schemeClr val="accent1"/>
+          </a:fillRef>
+          <a:effectRef idx="0">
+            <a:schemeClr val="accent1"/>
+          </a:effectRef>
+          <a:fontRef idx="minor">
+            <a:schemeClr val="lt1"/>
+          </a:fontRef>
+        </p:style>
+        <p:txBody>
+          <a:bodyPr wrap="square" rtlCol="0" anchor="ctr">
+            <a:noAutofit/>
+          </a:bodyPr>
+          <a:lstStyle/>
+          <a:p>
+            <a:pPr marL="0" marR="0" lvl="0" indent="0" algn="ctr" defTabSz="914400" rtl="0" eaLnBrk="1" fontAlgn="auto" latinLnBrk="0" hangingPunct="1">
+              <a:lnSpc>
+                <a:spcPct val="100000"/>
+              </a:lnSpc>
+              <a:spcBef>
+                <a:spcPts val="0"/>
+              </a:spcBef>
+              <a:spcAft>
+                <a:spcPts val="0"/>
+              </a:spcAft>
+              <a:buClrTx/>
+              <a:buSzTx/>
+              <a:buFontTx/>
+              <a:buNone/>
+              <a:tabLst/>
+              <a:defRPr/>
+            </a:pPr>
+            <a:endParaRPr kumimoji="0" lang="en-US" sz="1800" b="0" i="0" u="none" strike="noStrike" kern="1200" cap="none" spc="0" normalizeH="0" baseline="0" noProof="0">
+              <a:ln>
+                <a:noFill/>
+              </a:ln>
+              <a:solidFill>
+                <a:prstClr val="white"/>
+              </a:solidFill>
+              <a:effectLst/>
+              <a:uLnTx/>
+              <a:uFillTx/>
+              <a:latin typeface="Calibri" panose="020F0502020204030204"/>
+              <a:ea typeface="+mn-ea"/>
+              <a:cs typeface="+mn-cs"/>
+            </a:endParaRPr>
+          </a:p>
+        </p:txBody>
+      </p:sp>
       <p:sp>
         <p:nvSpPr>
           <p:cNvPr id="2" name="عنوان 1">
@@ -3892,13 +4352,20 @@
             <p:ph type="ctrTitle"/>
           </p:nvPr>
         </p:nvSpPr>
-        <p:spPr/>
-        <p:txBody>
-          <a:bodyPr/>
-          <a:lstStyle/>
-          <a:p>
-            <a:r>
-              <a:rPr lang="en-US" dirty="0"/>
+        <p:spPr>
+          <a:xfrm>
+            <a:off x="1524003" y="1999615"/>
+            <a:ext cx="9144000" cy="2764028"/>
+          </a:xfrm>
+        </p:spPr>
+        <p:txBody>
+          <a:bodyPr anchor="ctr">
+            <a:normAutofit/>
+          </a:bodyPr>
+          <a:lstStyle/>
+          <a:p>
+            <a:r>
+              <a:rPr lang="en-US" sz="7200"/>
               <a:t>OS 2 – Project 2</a:t>
             </a:r>
           </a:p>
@@ -3920,23 +4387,122 @@
             <p:ph type="subTitle" idx="1"/>
           </p:nvPr>
         </p:nvSpPr>
-        <p:spPr/>
-        <p:txBody>
-          <a:bodyPr/>
-          <a:lstStyle/>
-          <a:p>
-            <a:r>
-              <a:rPr lang="en-US" dirty="0"/>
+        <p:spPr>
+          <a:xfrm>
+            <a:off x="1966912" y="4828302"/>
+            <a:ext cx="8258176" cy="631825"/>
+          </a:xfrm>
+        </p:spPr>
+        <p:txBody>
+          <a:bodyPr anchor="ctr">
+            <a:normAutofit/>
+          </a:bodyPr>
+          <a:lstStyle/>
+          <a:p>
+            <a:r>
+              <a:rPr lang="en-US" sz="2800" dirty="0"/>
               <a:t>Word Statistic (Files </a:t>
             </a:r>
             <a:r>
-              <a:rPr lang="en-US" dirty="0" err="1"/>
+              <a:rPr lang="en-US" sz="2800" dirty="0" err="1"/>
               <a:t>analyser</a:t>
             </a:r>
             <a:r>
-              <a:rPr lang="en-US" dirty="0"/>
+              <a:rPr lang="en-US" sz="2800" dirty="0"/>
               <a:t>)</a:t>
             </a:r>
+          </a:p>
+        </p:txBody>
+      </p:sp>
+      <p:sp>
+        <p:nvSpPr>
+          <p:cNvPr id="44" name="Rectangle 43">
+            <a:extLst>
+              <a:ext uri="{FF2B5EF4-FFF2-40B4-BE49-F238E27FC236}">
+                <a16:creationId xmlns:a16="http://schemas.microsoft.com/office/drawing/2014/main" id="{3629484E-3792-4B3D-89AD-7C8A1ED0E0D4}"/>
+              </a:ext>
+              <a:ext uri="{C183D7F6-B498-43B3-948B-1728B52AA6E4}">
+                <adec:decorative xmlns:adec="http://schemas.microsoft.com/office/drawing/2017/decorative" val="1"/>
+              </a:ext>
+            </a:extLst>
+          </p:cNvPr>
+          <p:cNvSpPr>
+            <a:spLocks noGrp="1" noRot="1" noChangeAspect="1" noMove="1" noResize="1" noEditPoints="1" noAdjustHandles="1" noChangeArrowheads="1" noChangeShapeType="1" noTextEdit="1"/>
+          </p:cNvSpPr>
+          <p:nvPr>
+            <p:extLst>
+              <p:ext uri="{386F3935-93C4-4BCD-93E2-E3B085C9AB24}">
+                <p16:designElem xmlns:p16="http://schemas.microsoft.com/office/powerpoint/2015/main" val="1"/>
+              </p:ext>
+            </p:extLst>
+          </p:nvPr>
+        </p:nvSpPr>
+        <p:spPr>
+          <a:xfrm>
+            <a:off x="3718560" y="5524786"/>
+            <a:ext cx="4754880" cy="27432"/>
+          </a:xfrm>
+          <a:prstGeom prst="rect">
+            <a:avLst/>
+          </a:prstGeom>
+          <a:solidFill>
+            <a:schemeClr val="accent2"/>
+          </a:solidFill>
+          <a:ln>
+            <a:noFill/>
+          </a:ln>
+        </p:spPr>
+        <p:style>
+          <a:lnRef idx="2">
+            <a:schemeClr val="accent1">
+              <a:shade val="50000"/>
+            </a:schemeClr>
+          </a:lnRef>
+          <a:fillRef idx="1">
+            <a:schemeClr val="accent1"/>
+          </a:fillRef>
+          <a:effectRef idx="0">
+            <a:schemeClr val="accent1"/>
+          </a:effectRef>
+          <a:fontRef idx="minor">
+            <a:schemeClr val="lt1"/>
+          </a:fontRef>
+        </p:style>
+        <p:txBody>
+          <a:bodyPr rtlCol="0" anchor="ctr"/>
+          <a:lstStyle/>
+          <a:p>
+            <a:pPr marL="0" marR="0" lvl="0" indent="0" algn="ctr" defTabSz="914400" rtl="0" eaLnBrk="1" fontAlgn="auto" latinLnBrk="0" hangingPunct="1">
+              <a:lnSpc>
+                <a:spcPct val="100000"/>
+              </a:lnSpc>
+              <a:spcBef>
+                <a:spcPts val="0"/>
+              </a:spcBef>
+              <a:spcAft>
+                <a:spcPts val="0"/>
+              </a:spcAft>
+              <a:buClrTx/>
+              <a:buSzTx/>
+              <a:buFontTx/>
+              <a:buNone/>
+              <a:tabLst/>
+              <a:defRPr/>
+            </a:pPr>
+            <a:endParaRPr kumimoji="0" lang="en-US" sz="1800" b="0" i="0" u="none" strike="noStrike" kern="1200" cap="none" spc="0" normalizeH="0" baseline="0" noProof="0">
+              <a:ln>
+                <a:noFill/>
+              </a:ln>
+              <a:solidFill>
+                <a:prstClr val="white"/>
+              </a:solidFill>
+              <a:effectLst/>
+              <a:uLnTx/>
+              <a:uFillTx/>
+              <a:latin typeface="Calibri" panose="020F0502020204030204"/>
+              <a:ea typeface="+mn-ea"/>
+              <a:cs typeface="+mn-cs"/>
+            </a:endParaRPr>
           </a:p>
         </p:txBody>
       </p:sp>
@@ -3944,6 +4510,633 @@
     <p:extLst>
       <p:ext uri="{BB962C8B-B14F-4D97-AF65-F5344CB8AC3E}">
         <p14:creationId xmlns:p14="http://schemas.microsoft.com/office/powerpoint/2010/main" val="2712122090"/>
+      </p:ext>
+    </p:extLst>
+  </p:cSld>
+  <p:clrMapOvr>
+    <a:masterClrMapping/>
+  </p:clrMapOvr>
+</p:sld>
+</file>
+
+<file path=ppt/slides/slide10.xml><?xml version="1.0" encoding="utf-8"?>
+<p:sld xmlns:a="http://schemas.openxmlformats.org/drawingml/2006/main" xmlns:r="http://schemas.openxmlformats.org/officeDocument/2006/relationships" xmlns:p="http://schemas.openxmlformats.org/presentationml/2006/main">
+  <p:cSld>
+    <p:bg>
+      <p:bgPr>
+        <a:solidFill>
+          <a:schemeClr val="bg1"/>
+        </a:solidFill>
+        <a:effectLst/>
+      </p:bgPr>
+    </p:bg>
+    <p:spTree>
+      <p:nvGrpSpPr>
+        <p:cNvPr id="1" name=""/>
+        <p:cNvGrpSpPr/>
+        <p:nvPr/>
+      </p:nvGrpSpPr>
+      <p:grpSpPr>
+        <a:xfrm>
+          <a:off x="0" y="0"/>
+          <a:ext cx="0" cy="0"/>
+          <a:chOff x="0" y="0"/>
+          <a:chExt cx="0" cy="0"/>
+        </a:xfrm>
+      </p:grpSpPr>
+      <p:sp>
+        <p:nvSpPr>
+          <p:cNvPr id="59" name="Rectangle 58">
+            <a:extLst>
+              <a:ext uri="{FF2B5EF4-FFF2-40B4-BE49-F238E27FC236}">
+                <a16:creationId xmlns:a16="http://schemas.microsoft.com/office/drawing/2014/main" id="{F3060C83-F051-4F0E-ABAD-AA0DFC48B218}"/>
+              </a:ext>
+              <a:ext uri="{C183D7F6-B498-43B3-948B-1728B52AA6E4}">
+                <adec:decorative xmlns:adec="http://schemas.microsoft.com/office/drawing/2017/decorative" val="1"/>
+              </a:ext>
+            </a:extLst>
+          </p:cNvPr>
+          <p:cNvSpPr>
+            <a:spLocks noGrp="1" noRot="1" noChangeAspect="1" noMove="1" noResize="1" noEditPoints="1" noAdjustHandles="1" noChangeArrowheads="1" noChangeShapeType="1" noTextEdit="1"/>
+          </p:cNvSpPr>
+          <p:nvPr>
+            <p:extLst>
+              <p:ext uri="{386F3935-93C4-4BCD-93E2-E3B085C9AB24}">
+                <p16:designElem xmlns:p16="http://schemas.microsoft.com/office/powerpoint/2015/main" val="1"/>
+              </p:ext>
+            </p:extLst>
+          </p:nvPr>
+        </p:nvSpPr>
+        <p:spPr>
+          <a:xfrm>
+            <a:off x="0" y="0"/>
+            <a:ext cx="12192000" cy="6858000"/>
+          </a:xfrm>
+          <a:prstGeom prst="rect">
+            <a:avLst/>
+          </a:prstGeom>
+          <a:solidFill>
+            <a:schemeClr val="bg1"/>
+          </a:solidFill>
+          <a:ln>
+            <a:noFill/>
+          </a:ln>
+        </p:spPr>
+        <p:style>
+          <a:lnRef idx="2">
+            <a:schemeClr val="accent1">
+              <a:shade val="50000"/>
+            </a:schemeClr>
+          </a:lnRef>
+          <a:fillRef idx="1">
+            <a:schemeClr val="accent1"/>
+          </a:fillRef>
+          <a:effectRef idx="0">
+            <a:schemeClr val="accent1"/>
+          </a:effectRef>
+          <a:fontRef idx="minor">
+            <a:schemeClr val="lt1"/>
+          </a:fontRef>
+        </p:style>
+        <p:txBody>
+          <a:bodyPr rtlCol="0" anchor="ctr"/>
+          <a:lstStyle/>
+          <a:p>
+            <a:pPr algn="ctr"/>
+            <a:endParaRPr lang="en-US" dirty="0"/>
+          </a:p>
+        </p:txBody>
+      </p:sp>
+      <p:sp>
+        <p:nvSpPr>
+          <p:cNvPr id="61" name="Freeform: Shape 60">
+            <a:extLst>
+              <a:ext uri="{FF2B5EF4-FFF2-40B4-BE49-F238E27FC236}">
+                <a16:creationId xmlns:a16="http://schemas.microsoft.com/office/drawing/2014/main" id="{83C98ABE-055B-441F-B07E-44F97F083C39}"/>
+              </a:ext>
+              <a:ext uri="{C183D7F6-B498-43B3-948B-1728B52AA6E4}">
+                <adec:decorative xmlns:adec="http://schemas.microsoft.com/office/drawing/2017/decorative" val="1"/>
+              </a:ext>
+            </a:extLst>
+          </p:cNvPr>
+          <p:cNvSpPr>
+            <a:spLocks noGrp="1" noRot="1" noChangeAspect="1" noMove="1" noResize="1" noEditPoints="1" noAdjustHandles="1" noChangeArrowheads="1" noChangeShapeType="1" noTextEdit="1"/>
+          </p:cNvSpPr>
+          <p:nvPr>
+            <p:extLst>
+              <p:ext uri="{386F3935-93C4-4BCD-93E2-E3B085C9AB24}">
+                <p16:designElem xmlns:p16="http://schemas.microsoft.com/office/powerpoint/2015/main" val="1"/>
+              </p:ext>
+            </p:extLst>
+          </p:nvPr>
+        </p:nvSpPr>
+        <p:spPr>
+          <a:xfrm rot="18900000" flipH="1">
+            <a:off x="-376156" y="-253670"/>
+            <a:ext cx="1827638" cy="1376989"/>
+          </a:xfrm>
+          <a:custGeom>
+            <a:avLst/>
+            <a:gdLst>
+              <a:gd name="connsiteX0" fmla="*/ 0 w 1827638"/>
+              <a:gd name="connsiteY0" fmla="*/ 987379 h 1376989"/>
+              <a:gd name="connsiteX1" fmla="*/ 987379 w 1827638"/>
+              <a:gd name="connsiteY1" fmla="*/ 0 h 1376989"/>
+              <a:gd name="connsiteX2" fmla="*/ 1827638 w 1827638"/>
+              <a:gd name="connsiteY2" fmla="*/ 840260 h 1376989"/>
+              <a:gd name="connsiteX3" fmla="*/ 1827638 w 1827638"/>
+              <a:gd name="connsiteY3" fmla="*/ 1376989 h 1376989"/>
+              <a:gd name="connsiteX4" fmla="*/ 0 w 1827638"/>
+              <a:gd name="connsiteY4" fmla="*/ 1376989 h 1376989"/>
+            </a:gdLst>
+            <a:ahLst/>
+            <a:cxnLst>
+              <a:cxn ang="0">
+                <a:pos x="connsiteX0" y="connsiteY0"/>
+              </a:cxn>
+              <a:cxn ang="0">
+                <a:pos x="connsiteX1" y="connsiteY1"/>
+              </a:cxn>
+              <a:cxn ang="0">
+                <a:pos x="connsiteX2" y="connsiteY2"/>
+              </a:cxn>
+              <a:cxn ang="0">
+                <a:pos x="connsiteX3" y="connsiteY3"/>
+              </a:cxn>
+              <a:cxn ang="0">
+                <a:pos x="connsiteX4" y="connsiteY4"/>
+              </a:cxn>
+            </a:cxnLst>
+            <a:rect l="l" t="t" r="r" b="b"/>
+            <a:pathLst>
+              <a:path w="1827638" h="1376989">
+                <a:moveTo>
+                  <a:pt x="0" y="987379"/>
+                </a:moveTo>
+                <a:lnTo>
+                  <a:pt x="987379" y="0"/>
+                </a:lnTo>
+                <a:lnTo>
+                  <a:pt x="1827638" y="840260"/>
+                </a:lnTo>
+                <a:lnTo>
+                  <a:pt x="1827638" y="1376989"/>
+                </a:lnTo>
+                <a:lnTo>
+                  <a:pt x="0" y="1376989"/>
+                </a:lnTo>
+                <a:close/>
+              </a:path>
+            </a:pathLst>
+          </a:custGeom>
+          <a:solidFill>
+            <a:schemeClr val="accent1">
+              <a:alpha val="30000"/>
+            </a:schemeClr>
+          </a:solidFill>
+          <a:ln>
+            <a:noFill/>
+          </a:ln>
+        </p:spPr>
+        <p:style>
+          <a:lnRef idx="2">
+            <a:schemeClr val="accent1">
+              <a:shade val="50000"/>
+            </a:schemeClr>
+          </a:lnRef>
+          <a:fillRef idx="1">
+            <a:schemeClr val="accent1"/>
+          </a:fillRef>
+          <a:effectRef idx="0">
+            <a:schemeClr val="accent1"/>
+          </a:effectRef>
+          <a:fontRef idx="minor">
+            <a:schemeClr val="lt1"/>
+          </a:fontRef>
+        </p:style>
+        <p:txBody>
+          <a:bodyPr rtlCol="0" anchor="ctr"/>
+          <a:lstStyle/>
+          <a:p>
+            <a:pPr algn="ctr"/>
+            <a:endParaRPr lang="en-US" dirty="0"/>
+          </a:p>
+        </p:txBody>
+      </p:sp>
+      <p:sp>
+        <p:nvSpPr>
+          <p:cNvPr id="62" name="Rectangle 61">
+            <a:extLst>
+              <a:ext uri="{FF2B5EF4-FFF2-40B4-BE49-F238E27FC236}">
+                <a16:creationId xmlns:a16="http://schemas.microsoft.com/office/drawing/2014/main" id="{29FDB030-9B49-4CED-8CCD-4D99382388AC}"/>
+              </a:ext>
+              <a:ext uri="{C183D7F6-B498-43B3-948B-1728B52AA6E4}">
+                <adec:decorative xmlns:adec="http://schemas.microsoft.com/office/drawing/2017/decorative" val="1"/>
+              </a:ext>
+            </a:extLst>
+          </p:cNvPr>
+          <p:cNvSpPr>
+            <a:spLocks noGrp="1" noRot="1" noChangeAspect="1" noMove="1" noResize="1" noEditPoints="1" noAdjustHandles="1" noChangeArrowheads="1" noChangeShapeType="1" noTextEdit="1"/>
+          </p:cNvSpPr>
+          <p:nvPr>
+            <p:extLst>
+              <p:ext uri="{386F3935-93C4-4BCD-93E2-E3B085C9AB24}">
+                <p16:designElem xmlns:p16="http://schemas.microsoft.com/office/powerpoint/2015/main" val="1"/>
+              </p:ext>
+            </p:extLst>
+          </p:nvPr>
+        </p:nvSpPr>
+        <p:spPr>
+          <a:xfrm rot="18900000" flipH="1">
+            <a:off x="891641" y="422146"/>
+            <a:ext cx="645368" cy="645368"/>
+          </a:xfrm>
+          <a:prstGeom prst="rect">
+            <a:avLst/>
+          </a:prstGeom>
+          <a:solidFill>
+            <a:schemeClr val="accent1">
+              <a:alpha val="30000"/>
+            </a:schemeClr>
+          </a:solidFill>
+          <a:ln>
+            <a:noFill/>
+          </a:ln>
+        </p:spPr>
+        <p:style>
+          <a:lnRef idx="2">
+            <a:schemeClr val="accent1">
+              <a:shade val="50000"/>
+            </a:schemeClr>
+          </a:lnRef>
+          <a:fillRef idx="1">
+            <a:schemeClr val="accent1"/>
+          </a:fillRef>
+          <a:effectRef idx="0">
+            <a:schemeClr val="accent1"/>
+          </a:effectRef>
+          <a:fontRef idx="minor">
+            <a:schemeClr val="lt1"/>
+          </a:fontRef>
+        </p:style>
+        <p:txBody>
+          <a:bodyPr rtlCol="0" anchor="ctr"/>
+          <a:lstStyle/>
+          <a:p>
+            <a:pPr algn="ctr"/>
+            <a:endParaRPr lang="en-US"/>
+          </a:p>
+        </p:txBody>
+      </p:sp>
+      <p:sp>
+        <p:nvSpPr>
+          <p:cNvPr id="63" name="Rectangle 62">
+            <a:extLst>
+              <a:ext uri="{FF2B5EF4-FFF2-40B4-BE49-F238E27FC236}">
+                <a16:creationId xmlns:a16="http://schemas.microsoft.com/office/drawing/2014/main" id="{3783CA14-24A1-485C-8B30-D6A5D87987AD}"/>
+              </a:ext>
+              <a:ext uri="{C183D7F6-B498-43B3-948B-1728B52AA6E4}">
+                <adec:decorative xmlns:adec="http://schemas.microsoft.com/office/drawing/2017/decorative" val="1"/>
+              </a:ext>
+            </a:extLst>
+          </p:cNvPr>
+          <p:cNvSpPr>
+            <a:spLocks noGrp="1" noRot="1" noChangeAspect="1" noMove="1" noResize="1" noEditPoints="1" noAdjustHandles="1" noChangeArrowheads="1" noChangeShapeType="1" noTextEdit="1"/>
+          </p:cNvSpPr>
+          <p:nvPr>
+            <p:extLst>
+              <p:ext uri="{386F3935-93C4-4BCD-93E2-E3B085C9AB24}">
+                <p16:designElem xmlns:p16="http://schemas.microsoft.com/office/powerpoint/2015/main" val="1"/>
+              </p:ext>
+            </p:extLst>
+          </p:nvPr>
+        </p:nvSpPr>
+        <p:spPr>
+          <a:xfrm rot="18900000" flipH="1">
+            <a:off x="10043482" y="655140"/>
+            <a:ext cx="687472" cy="687472"/>
+          </a:xfrm>
+          <a:prstGeom prst="rect">
+            <a:avLst/>
+          </a:prstGeom>
+          <a:solidFill>
+            <a:schemeClr val="accent4">
+              <a:alpha val="30000"/>
+            </a:schemeClr>
+          </a:solidFill>
+          <a:ln>
+            <a:noFill/>
+          </a:ln>
+        </p:spPr>
+        <p:style>
+          <a:lnRef idx="2">
+            <a:schemeClr val="accent1">
+              <a:shade val="50000"/>
+            </a:schemeClr>
+          </a:lnRef>
+          <a:fillRef idx="1">
+            <a:schemeClr val="accent1"/>
+          </a:fillRef>
+          <a:effectRef idx="0">
+            <a:schemeClr val="accent1"/>
+          </a:effectRef>
+          <a:fontRef idx="minor">
+            <a:schemeClr val="lt1"/>
+          </a:fontRef>
+        </p:style>
+        <p:txBody>
+          <a:bodyPr rtlCol="0" anchor="ctr"/>
+          <a:lstStyle/>
+          <a:p>
+            <a:pPr algn="ctr"/>
+            <a:endParaRPr lang="en-US"/>
+          </a:p>
+        </p:txBody>
+      </p:sp>
+      <p:sp>
+        <p:nvSpPr>
+          <p:cNvPr id="64" name="Freeform: Shape 63">
+            <a:extLst>
+              <a:ext uri="{FF2B5EF4-FFF2-40B4-BE49-F238E27FC236}">
+                <a16:creationId xmlns:a16="http://schemas.microsoft.com/office/drawing/2014/main" id="{9A97C86A-04D6-40F7-AE84-31AB43E6A846}"/>
+              </a:ext>
+              <a:ext uri="{C183D7F6-B498-43B3-948B-1728B52AA6E4}">
+                <adec:decorative xmlns:adec="http://schemas.microsoft.com/office/drawing/2017/decorative" val="1"/>
+              </a:ext>
+            </a:extLst>
+          </p:cNvPr>
+          <p:cNvSpPr>
+            <a:spLocks noGrp="1" noRot="1" noChangeAspect="1" noMove="1" noResize="1" noEditPoints="1" noAdjustHandles="1" noChangeArrowheads="1" noChangeShapeType="1" noTextEdit="1"/>
+          </p:cNvSpPr>
+          <p:nvPr>
+            <p:extLst>
+              <p:ext uri="{386F3935-93C4-4BCD-93E2-E3B085C9AB24}">
+                <p16:designElem xmlns:p16="http://schemas.microsoft.com/office/powerpoint/2015/main" val="1"/>
+              </p:ext>
+            </p:extLst>
+          </p:nvPr>
+        </p:nvSpPr>
+        <p:spPr>
+          <a:xfrm rot="10800000" flipH="1">
+            <a:off x="9356643" y="0"/>
+            <a:ext cx="2835357" cy="1480837"/>
+          </a:xfrm>
+          <a:custGeom>
+            <a:avLst/>
+            <a:gdLst>
+              <a:gd name="connsiteX0" fmla="*/ 2835357 w 2835357"/>
+              <a:gd name="connsiteY0" fmla="*/ 1480837 h 1480837"/>
+              <a:gd name="connsiteX1" fmla="*/ 0 w 2835357"/>
+              <a:gd name="connsiteY1" fmla="*/ 1480837 h 1480837"/>
+              <a:gd name="connsiteX2" fmla="*/ 1552727 w 2835357"/>
+              <a:gd name="connsiteY2" fmla="*/ 0 h 1480837"/>
+              <a:gd name="connsiteX3" fmla="*/ 2835357 w 2835357"/>
+              <a:gd name="connsiteY3" fmla="*/ 1223245 h 1480837"/>
+            </a:gdLst>
+            <a:ahLst/>
+            <a:cxnLst>
+              <a:cxn ang="0">
+                <a:pos x="connsiteX0" y="connsiteY0"/>
+              </a:cxn>
+              <a:cxn ang="0">
+                <a:pos x="connsiteX1" y="connsiteY1"/>
+              </a:cxn>
+              <a:cxn ang="0">
+                <a:pos x="connsiteX2" y="connsiteY2"/>
+              </a:cxn>
+              <a:cxn ang="0">
+                <a:pos x="connsiteX3" y="connsiteY3"/>
+              </a:cxn>
+            </a:cxnLst>
+            <a:rect l="l" t="t" r="r" b="b"/>
+            <a:pathLst>
+              <a:path w="2835357" h="1480837">
+                <a:moveTo>
+                  <a:pt x="2835357" y="1480837"/>
+                </a:moveTo>
+                <a:lnTo>
+                  <a:pt x="0" y="1480837"/>
+                </a:lnTo>
+                <a:lnTo>
+                  <a:pt x="1552727" y="0"/>
+                </a:lnTo>
+                <a:lnTo>
+                  <a:pt x="2835357" y="1223245"/>
+                </a:lnTo>
+                <a:close/>
+              </a:path>
+            </a:pathLst>
+          </a:custGeom>
+          <a:solidFill>
+            <a:schemeClr val="accent4">
+              <a:alpha val="30000"/>
+            </a:schemeClr>
+          </a:solidFill>
+          <a:ln>
+            <a:noFill/>
+          </a:ln>
+        </p:spPr>
+        <p:style>
+          <a:lnRef idx="2">
+            <a:schemeClr val="accent1">
+              <a:shade val="50000"/>
+            </a:schemeClr>
+          </a:lnRef>
+          <a:fillRef idx="1">
+            <a:schemeClr val="accent1"/>
+          </a:fillRef>
+          <a:effectRef idx="0">
+            <a:schemeClr val="accent1"/>
+          </a:effectRef>
+          <a:fontRef idx="minor">
+            <a:schemeClr val="lt1"/>
+          </a:fontRef>
+        </p:style>
+        <p:txBody>
+          <a:bodyPr wrap="square" rtlCol="0" anchor="ctr">
+            <a:noAutofit/>
+          </a:bodyPr>
+          <a:lstStyle/>
+          <a:p>
+            <a:pPr algn="ctr"/>
+            <a:endParaRPr lang="en-US" dirty="0"/>
+          </a:p>
+        </p:txBody>
+      </p:sp>
+      <p:sp>
+        <p:nvSpPr>
+          <p:cNvPr id="58" name="Isosceles Triangle 57">
+            <a:extLst>
+              <a:ext uri="{FF2B5EF4-FFF2-40B4-BE49-F238E27FC236}">
+                <a16:creationId xmlns:a16="http://schemas.microsoft.com/office/drawing/2014/main" id="{FF9F2414-84E8-453E-B1F3-389FDE8192D9}"/>
+              </a:ext>
+              <a:ext uri="{C183D7F6-B498-43B3-948B-1728B52AA6E4}">
+                <adec:decorative xmlns:adec="http://schemas.microsoft.com/office/drawing/2017/decorative" val="1"/>
+              </a:ext>
+            </a:extLst>
+          </p:cNvPr>
+          <p:cNvSpPr>
+            <a:spLocks noGrp="1" noRot="1" noChangeAspect="1" noMove="1" noResize="1" noEditPoints="1" noAdjustHandles="1" noChangeArrowheads="1" noChangeShapeType="1" noTextEdit="1"/>
+          </p:cNvSpPr>
+          <p:nvPr>
+            <p:extLst>
+              <p:ext uri="{386F3935-93C4-4BCD-93E2-E3B085C9AB24}">
+                <p16:designElem xmlns:p16="http://schemas.microsoft.com/office/powerpoint/2015/main" val="1"/>
+              </p:ext>
+            </p:extLst>
+          </p:nvPr>
+        </p:nvSpPr>
+        <p:spPr>
+          <a:xfrm flipH="1">
+            <a:off x="7976344" y="6115501"/>
+            <a:ext cx="1494513" cy="742499"/>
+          </a:xfrm>
+          <a:prstGeom prst="triangle">
+            <a:avLst/>
+          </a:prstGeom>
+          <a:solidFill>
+            <a:schemeClr val="accent1">
+              <a:alpha val="30000"/>
+            </a:schemeClr>
+          </a:solidFill>
+          <a:ln>
+            <a:noFill/>
+          </a:ln>
+        </p:spPr>
+        <p:style>
+          <a:lnRef idx="2">
+            <a:schemeClr val="accent1">
+              <a:shade val="50000"/>
+            </a:schemeClr>
+          </a:lnRef>
+          <a:fillRef idx="1">
+            <a:schemeClr val="accent1"/>
+          </a:fillRef>
+          <a:effectRef idx="0">
+            <a:schemeClr val="accent1"/>
+          </a:effectRef>
+          <a:fontRef idx="minor">
+            <a:schemeClr val="lt1"/>
+          </a:fontRef>
+        </p:style>
+        <p:txBody>
+          <a:bodyPr rtlCol="0" anchor="ctr"/>
+          <a:lstStyle/>
+          <a:p>
+            <a:pPr algn="ctr"/>
+            <a:endParaRPr lang="en-US"/>
+          </a:p>
+        </p:txBody>
+      </p:sp>
+      <p:pic>
+        <p:nvPicPr>
+          <p:cNvPr id="6" name="Picture Placeholder 5" descr="A screenshot of a computer&#10;&#10;Description automatically generated">
+            <a:extLst>
+              <a:ext uri="{FF2B5EF4-FFF2-40B4-BE49-F238E27FC236}">
+                <a16:creationId xmlns:a16="http://schemas.microsoft.com/office/drawing/2014/main" id="{14DCDE57-D939-E87C-DC85-F232CBD821F2}"/>
+              </a:ext>
+            </a:extLst>
+          </p:cNvPr>
+          <p:cNvPicPr>
+            <a:picLocks noGrp="1" noChangeAspect="1"/>
+          </p:cNvPicPr>
+          <p:nvPr>
+            <p:ph type="pic" idx="1"/>
+          </p:nvPr>
+        </p:nvPicPr>
+        <p:blipFill>
+          <a:blip r:embed="rId2">
+            <a:extLst>
+              <a:ext uri="{28A0092B-C50C-407E-A947-70E740481C1C}">
+                <a14:useLocalDpi xmlns:a14="http://schemas.microsoft.com/office/drawing/2010/main" val="0"/>
+              </a:ext>
+            </a:extLst>
+          </a:blip>
+          <a:srcRect l="126" r="126"/>
+          <a:stretch/>
+        </p:blipFill>
+        <p:spPr>
+          <a:xfrm>
+            <a:off x="1156455" y="643467"/>
+            <a:ext cx="9879090" cy="5571065"/>
+          </a:xfrm>
+          <a:prstGeom prst="rect">
+            <a:avLst/>
+          </a:prstGeom>
+          <a:ln>
+            <a:noFill/>
+          </a:ln>
+        </p:spPr>
+      </p:pic>
+      <p:sp>
+        <p:nvSpPr>
+          <p:cNvPr id="60" name="Isosceles Triangle 59">
+            <a:extLst>
+              <a:ext uri="{FF2B5EF4-FFF2-40B4-BE49-F238E27FC236}">
+                <a16:creationId xmlns:a16="http://schemas.microsoft.com/office/drawing/2014/main" id="{3ECA69A1-7536-43AC-85EF-C7106179F5ED}"/>
+              </a:ext>
+              <a:ext uri="{C183D7F6-B498-43B3-948B-1728B52AA6E4}">
+                <adec:decorative xmlns:adec="http://schemas.microsoft.com/office/drawing/2017/decorative" val="1"/>
+              </a:ext>
+            </a:extLst>
+          </p:cNvPr>
+          <p:cNvSpPr>
+            <a:spLocks noGrp="1" noRot="1" noChangeAspect="1" noMove="1" noResize="1" noEditPoints="1" noAdjustHandles="1" noChangeArrowheads="1" noChangeShapeType="1" noTextEdit="1"/>
+          </p:cNvSpPr>
+          <p:nvPr>
+            <p:extLst>
+              <p:ext uri="{386F3935-93C4-4BCD-93E2-E3B085C9AB24}">
+                <p16:designElem xmlns:p16="http://schemas.microsoft.com/office/powerpoint/2015/main" val="1"/>
+              </p:ext>
+            </p:extLst>
+          </p:nvPr>
+        </p:nvSpPr>
+        <p:spPr>
+          <a:xfrm flipH="1">
+            <a:off x="7604080" y="6453143"/>
+            <a:ext cx="814903" cy="404857"/>
+          </a:xfrm>
+          <a:prstGeom prst="triangle">
+            <a:avLst/>
+          </a:prstGeom>
+          <a:solidFill>
+            <a:schemeClr val="accent1">
+              <a:alpha val="30000"/>
+            </a:schemeClr>
+          </a:solidFill>
+          <a:ln>
+            <a:noFill/>
+          </a:ln>
+        </p:spPr>
+        <p:style>
+          <a:lnRef idx="2">
+            <a:schemeClr val="accent1">
+              <a:shade val="50000"/>
+            </a:schemeClr>
+          </a:lnRef>
+          <a:fillRef idx="1">
+            <a:schemeClr val="accent1"/>
+          </a:fillRef>
+          <a:effectRef idx="0">
+            <a:schemeClr val="accent1"/>
+          </a:effectRef>
+          <a:fontRef idx="minor">
+            <a:schemeClr val="lt1"/>
+          </a:fontRef>
+        </p:style>
+        <p:txBody>
+          <a:bodyPr rtlCol="0" anchor="ctr"/>
+          <a:lstStyle/>
+          <a:p>
+            <a:pPr algn="ctr"/>
+            <a:endParaRPr lang="en-US"/>
+          </a:p>
+        </p:txBody>
+      </p:sp>
+    </p:spTree>
+    <p:extLst>
+      <p:ext uri="{BB962C8B-B14F-4D97-AF65-F5344CB8AC3E}">
+        <p14:creationId xmlns:p14="http://schemas.microsoft.com/office/powerpoint/2010/main" val="1110659904"/>
       </p:ext>
     </p:extLst>
   </p:cSld>
@@ -4118,6 +5311,531 @@
 </file>
 
 <file path=ppt/slides/slide3.xml><?xml version="1.0" encoding="utf-8"?>
+<p:sld xmlns:a="http://schemas.openxmlformats.org/drawingml/2006/main" xmlns:r="http://schemas.openxmlformats.org/officeDocument/2006/relationships" xmlns:p="http://schemas.openxmlformats.org/presentationml/2006/main">
+  <p:cSld>
+    <p:spTree>
+      <p:nvGrpSpPr>
+        <p:cNvPr id="1" name=""/>
+        <p:cNvGrpSpPr/>
+        <p:nvPr/>
+      </p:nvGrpSpPr>
+      <p:grpSpPr>
+        <a:xfrm>
+          <a:off x="0" y="0"/>
+          <a:ext cx="0" cy="0"/>
+          <a:chOff x="0" y="0"/>
+          <a:chExt cx="0" cy="0"/>
+        </a:xfrm>
+      </p:grpSpPr>
+      <p:sp>
+        <p:nvSpPr>
+          <p:cNvPr id="2" name="عنوان 1">
+            <a:extLst>
+              <a:ext uri="{FF2B5EF4-FFF2-40B4-BE49-F238E27FC236}">
+                <a16:creationId xmlns:a16="http://schemas.microsoft.com/office/drawing/2014/main" id="{83307AD2-DE9E-D145-C3CB-3A26BBD74DF2}"/>
+              </a:ext>
+            </a:extLst>
+          </p:cNvPr>
+          <p:cNvSpPr>
+            <a:spLocks noGrp="1"/>
+          </p:cNvSpPr>
+          <p:nvPr>
+            <p:ph type="title"/>
+          </p:nvPr>
+        </p:nvSpPr>
+        <p:spPr>
+          <a:xfrm>
+            <a:off x="665164" y="5555"/>
+            <a:ext cx="6470926" cy="1173957"/>
+          </a:xfrm>
+        </p:spPr>
+        <p:txBody>
+          <a:bodyPr>
+            <a:normAutofit/>
+          </a:bodyPr>
+          <a:lstStyle/>
+          <a:p>
+            <a:pPr algn="l" rtl="0"/>
+            <a:r>
+              <a:rPr lang="en-US" dirty="0"/>
+              <a:t>Project Members Role</a:t>
+            </a:r>
+          </a:p>
+        </p:txBody>
+      </p:sp>
+      <p:sp>
+        <p:nvSpPr>
+          <p:cNvPr id="3" name="عنصر نائب للنص 2">
+            <a:extLst>
+              <a:ext uri="{FF2B5EF4-FFF2-40B4-BE49-F238E27FC236}">
+                <a16:creationId xmlns:a16="http://schemas.microsoft.com/office/drawing/2014/main" id="{276E85D8-DB9A-FC8A-D75F-2FD72A51DECB}"/>
+              </a:ext>
+            </a:extLst>
+          </p:cNvPr>
+          <p:cNvSpPr>
+            <a:spLocks noGrp="1"/>
+          </p:cNvSpPr>
+          <p:nvPr>
+            <p:ph type="body" idx="1"/>
+          </p:nvPr>
+        </p:nvSpPr>
+        <p:spPr>
+          <a:xfrm>
+            <a:off x="839788" y="1112362"/>
+            <a:ext cx="5157787" cy="1392713"/>
+          </a:xfrm>
+        </p:spPr>
+        <p:txBody>
+          <a:bodyPr>
+            <a:normAutofit fontScale="85000" lnSpcReduction="20000"/>
+          </a:bodyPr>
+          <a:lstStyle/>
+          <a:p>
+            <a:r>
+              <a:rPr lang="ar-SA" dirty="0"/>
+              <a:t>ايمان ايهاب ابراهيم محمد 20210201</a:t>
+            </a:r>
+            <a:endParaRPr lang="en-US" dirty="0"/>
+          </a:p>
+          <a:p>
+            <a:r>
+              <a:rPr lang="ar-SA" dirty="0" err="1"/>
+              <a:t>بثينه</a:t>
+            </a:r>
+            <a:r>
+              <a:rPr lang="ar-SA" dirty="0"/>
+              <a:t> عصام محمد اسماعيل</a:t>
+            </a:r>
+            <a:r>
+              <a:rPr lang="en-US" dirty="0"/>
+              <a:t> </a:t>
+            </a:r>
+            <a:r>
+              <a:rPr lang="ar-SA" dirty="0"/>
+              <a:t>20210218</a:t>
+            </a:r>
+            <a:endParaRPr lang="en-US" dirty="0"/>
+          </a:p>
+          <a:p>
+            <a:r>
+              <a:rPr lang="ar-SA" dirty="0" err="1"/>
+              <a:t>تريڤينا</a:t>
+            </a:r>
+            <a:r>
+              <a:rPr lang="ar-SA" dirty="0"/>
+              <a:t> رضا امين جرجس20210236</a:t>
+            </a:r>
+            <a:r>
+              <a:rPr lang="en-US" dirty="0"/>
+              <a:t>    </a:t>
+            </a:r>
+          </a:p>
+          <a:p>
+            <a:r>
+              <a:rPr lang="ar-SA" dirty="0" err="1"/>
+              <a:t>آيه</a:t>
+            </a:r>
+            <a:r>
+              <a:rPr lang="ar-SA" dirty="0"/>
+              <a:t> محمد علي عبدالوهاب 20210210</a:t>
+            </a:r>
+            <a:endParaRPr lang="en-US" dirty="0"/>
+          </a:p>
+        </p:txBody>
+      </p:sp>
+      <p:sp>
+        <p:nvSpPr>
+          <p:cNvPr id="4" name="عنصر نائب للمحتوى 3">
+            <a:extLst>
+              <a:ext uri="{FF2B5EF4-FFF2-40B4-BE49-F238E27FC236}">
+                <a16:creationId xmlns:a16="http://schemas.microsoft.com/office/drawing/2014/main" id="{D91CEA35-C063-6690-DDCD-DE968ABED9F9}"/>
+              </a:ext>
+            </a:extLst>
+          </p:cNvPr>
+          <p:cNvSpPr>
+            <a:spLocks noGrp="1"/>
+          </p:cNvSpPr>
+          <p:nvPr>
+            <p:ph sz="half" idx="2"/>
+          </p:nvPr>
+        </p:nvSpPr>
+        <p:spPr>
+          <a:xfrm>
+            <a:off x="1282045" y="2684183"/>
+            <a:ext cx="4715530" cy="3301837"/>
+          </a:xfrm>
+        </p:spPr>
+        <p:txBody>
+          <a:bodyPr>
+            <a:normAutofit fontScale="62500" lnSpcReduction="20000"/>
+          </a:bodyPr>
+          <a:lstStyle/>
+          <a:p>
+            <a:pPr marL="0" indent="0" algn="l" rtl="0">
+              <a:buNone/>
+            </a:pPr>
+            <a:r>
+              <a:rPr lang="en-US" dirty="0">
+                <a:solidFill>
+                  <a:schemeClr val="accent3">
+                    <a:lumMod val="75000"/>
+                  </a:schemeClr>
+                </a:solidFill>
+              </a:rPr>
+              <a:t>- </a:t>
+            </a:r>
+            <a:r>
+              <a:rPr lang="en-US" dirty="0" err="1">
+                <a:solidFill>
+                  <a:schemeClr val="accent3">
+                    <a:lumMod val="75000"/>
+                  </a:schemeClr>
+                </a:solidFill>
+              </a:rPr>
+              <a:t>Eman</a:t>
+            </a:r>
+            <a:r>
+              <a:rPr lang="en-US" dirty="0">
+                <a:solidFill>
+                  <a:schemeClr val="accent3">
+                    <a:lumMod val="75000"/>
+                  </a:schemeClr>
+                </a:solidFill>
+              </a:rPr>
+              <a:t> worked initializing the GUI components</a:t>
+            </a:r>
+          </a:p>
+          <a:p>
+            <a:pPr marL="0" indent="0" algn="l" rtl="0">
+              <a:buNone/>
+            </a:pPr>
+            <a:endParaRPr lang="en-US" dirty="0">
+              <a:solidFill>
+                <a:schemeClr val="accent3">
+                  <a:lumMod val="75000"/>
+                </a:schemeClr>
+              </a:solidFill>
+            </a:endParaRPr>
+          </a:p>
+          <a:p>
+            <a:pPr marL="0" indent="0" algn="l" rtl="0">
+              <a:buNone/>
+            </a:pPr>
+            <a:r>
+              <a:rPr lang="en-US" dirty="0">
+                <a:solidFill>
+                  <a:schemeClr val="accent3">
+                    <a:lumMod val="75000"/>
+                  </a:schemeClr>
+                </a:solidFill>
+              </a:rPr>
+              <a:t>- </a:t>
+            </a:r>
+            <a:r>
+              <a:rPr lang="en-US" dirty="0" err="1">
+                <a:solidFill>
+                  <a:schemeClr val="accent3">
+                    <a:lumMod val="75000"/>
+                  </a:schemeClr>
+                </a:solidFill>
+              </a:rPr>
+              <a:t>Buthaina</a:t>
+            </a:r>
+            <a:r>
+              <a:rPr lang="en-US" dirty="0">
+                <a:solidFill>
+                  <a:schemeClr val="accent3">
+                    <a:lumMod val="75000"/>
+                  </a:schemeClr>
+                </a:solidFill>
+              </a:rPr>
+              <a:t> worked on </a:t>
+            </a:r>
+            <a:r>
+              <a:rPr lang="en-US" dirty="0" err="1">
+                <a:solidFill>
+                  <a:schemeClr val="accent3">
+                    <a:lumMod val="75000"/>
+                  </a:schemeClr>
+                </a:solidFill>
+              </a:rPr>
+              <a:t>processDirectory</a:t>
+            </a:r>
+            <a:r>
+              <a:rPr lang="en-US" dirty="0">
+                <a:solidFill>
+                  <a:schemeClr val="accent3">
+                    <a:lumMod val="75000"/>
+                  </a:schemeClr>
+                </a:solidFill>
+              </a:rPr>
+              <a:t>() function.</a:t>
+            </a:r>
+          </a:p>
+          <a:p>
+            <a:pPr marL="0" indent="0" algn="l" rtl="0">
+              <a:buNone/>
+            </a:pPr>
+            <a:endParaRPr lang="en-US" dirty="0">
+              <a:solidFill>
+                <a:schemeClr val="accent3">
+                  <a:lumMod val="75000"/>
+                </a:schemeClr>
+              </a:solidFill>
+            </a:endParaRPr>
+          </a:p>
+          <a:p>
+            <a:pPr marL="0" indent="0" algn="l" rtl="0">
+              <a:buNone/>
+            </a:pPr>
+            <a:r>
+              <a:rPr lang="en-US" dirty="0">
+                <a:solidFill>
+                  <a:schemeClr val="accent3">
+                    <a:lumMod val="75000"/>
+                  </a:schemeClr>
+                </a:solidFill>
+              </a:rPr>
+              <a:t>-</a:t>
+            </a:r>
+            <a:r>
+              <a:rPr lang="en-US" dirty="0" err="1">
+                <a:solidFill>
+                  <a:schemeClr val="accent3">
+                    <a:lumMod val="75000"/>
+                  </a:schemeClr>
+                </a:solidFill>
+              </a:rPr>
+              <a:t>Terevena</a:t>
+            </a:r>
+            <a:r>
+              <a:rPr lang="en-US" dirty="0">
+                <a:solidFill>
+                  <a:schemeClr val="accent3">
+                    <a:lumMod val="75000"/>
+                  </a:schemeClr>
+                </a:solidFill>
+              </a:rPr>
+              <a:t> worked on </a:t>
+            </a:r>
+            <a:r>
+              <a:rPr lang="en-US" dirty="0" err="1">
+                <a:solidFill>
+                  <a:schemeClr val="accent3">
+                    <a:lumMod val="75000"/>
+                  </a:schemeClr>
+                </a:solidFill>
+              </a:rPr>
+              <a:t>listFilePaths</a:t>
+            </a:r>
+            <a:r>
+              <a:rPr lang="en-US" dirty="0">
+                <a:solidFill>
+                  <a:schemeClr val="accent3">
+                    <a:lumMod val="75000"/>
+                  </a:schemeClr>
+                </a:solidFill>
+              </a:rPr>
+              <a:t>() function.</a:t>
+            </a:r>
+          </a:p>
+          <a:p>
+            <a:pPr marL="0" indent="0" algn="l" rtl="0">
+              <a:buNone/>
+            </a:pPr>
+            <a:endParaRPr lang="en-US" dirty="0">
+              <a:solidFill>
+                <a:schemeClr val="accent3">
+                  <a:lumMod val="75000"/>
+                </a:schemeClr>
+              </a:solidFill>
+            </a:endParaRPr>
+          </a:p>
+          <a:p>
+            <a:pPr marL="0" indent="0" algn="l" rtl="0">
+              <a:buNone/>
+            </a:pPr>
+            <a:r>
+              <a:rPr lang="en-US" dirty="0">
+                <a:solidFill>
+                  <a:schemeClr val="accent3">
+                    <a:lumMod val="75000"/>
+                  </a:schemeClr>
+                </a:solidFill>
+              </a:rPr>
+              <a:t>-Aya worked on solving the problem of the program crashing when using a new directory while an old one is chosen.</a:t>
+            </a:r>
+          </a:p>
+        </p:txBody>
+      </p:sp>
+      <p:sp>
+        <p:nvSpPr>
+          <p:cNvPr id="5" name="عنصر نائب للنص 4">
+            <a:extLst>
+              <a:ext uri="{FF2B5EF4-FFF2-40B4-BE49-F238E27FC236}">
+                <a16:creationId xmlns:a16="http://schemas.microsoft.com/office/drawing/2014/main" id="{167398A7-A703-A4D5-7079-CC7CC7F7D65F}"/>
+              </a:ext>
+            </a:extLst>
+          </p:cNvPr>
+          <p:cNvSpPr>
+            <a:spLocks noGrp="1"/>
+          </p:cNvSpPr>
+          <p:nvPr>
+            <p:ph type="body" sz="quarter" idx="3"/>
+          </p:nvPr>
+        </p:nvSpPr>
+        <p:spPr>
+          <a:xfrm>
+            <a:off x="7136090" y="1018381"/>
+            <a:ext cx="4216121" cy="1325563"/>
+          </a:xfrm>
+        </p:spPr>
+        <p:txBody>
+          <a:bodyPr>
+            <a:normAutofit fontScale="85000" lnSpcReduction="20000"/>
+          </a:bodyPr>
+          <a:lstStyle/>
+          <a:p>
+            <a:r>
+              <a:rPr lang="ar-EG" dirty="0"/>
+              <a:t>بسام عماد </a:t>
+            </a:r>
+            <a:r>
+              <a:rPr lang="ar-EG" dirty="0" err="1"/>
+              <a:t>حمدى</a:t>
+            </a:r>
+            <a:r>
+              <a:rPr lang="ar-EG" dirty="0"/>
+              <a:t> عبدالكريم 20210222	</a:t>
+            </a:r>
+          </a:p>
+          <a:p>
+            <a:r>
+              <a:rPr lang="ar-EG" dirty="0"/>
+              <a:t>باسم ياسر رجب عمر 20210217</a:t>
+            </a:r>
+          </a:p>
+          <a:p>
+            <a:r>
+              <a:rPr lang="ar-EG" dirty="0"/>
+              <a:t>جميل محمد جميل حسن 20210252</a:t>
+            </a:r>
+            <a:endParaRPr lang="en-US" dirty="0"/>
+          </a:p>
+        </p:txBody>
+      </p:sp>
+      <p:sp>
+        <p:nvSpPr>
+          <p:cNvPr id="6" name="عنصر نائب للمحتوى 5">
+            <a:extLst>
+              <a:ext uri="{FF2B5EF4-FFF2-40B4-BE49-F238E27FC236}">
+                <a16:creationId xmlns:a16="http://schemas.microsoft.com/office/drawing/2014/main" id="{9FF9F45E-B186-86FA-0107-39A582F37D41}"/>
+              </a:ext>
+            </a:extLst>
+          </p:cNvPr>
+          <p:cNvSpPr>
+            <a:spLocks noGrp="1"/>
+          </p:cNvSpPr>
+          <p:nvPr>
+            <p:ph sz="quarter" idx="4"/>
+          </p:nvPr>
+        </p:nvSpPr>
+        <p:spPr>
+          <a:xfrm>
+            <a:off x="7008812" y="2684183"/>
+            <a:ext cx="5183188" cy="3125952"/>
+          </a:xfrm>
+        </p:spPr>
+        <p:txBody>
+          <a:bodyPr>
+            <a:normAutofit fontScale="62500" lnSpcReduction="20000"/>
+          </a:bodyPr>
+          <a:lstStyle/>
+          <a:p>
+            <a:pPr marL="0" indent="0" algn="l" rtl="0">
+              <a:buNone/>
+            </a:pPr>
+            <a:r>
+              <a:rPr lang="en-US" dirty="0">
+                <a:solidFill>
+                  <a:schemeClr val="accent3">
+                    <a:lumMod val="75000"/>
+                  </a:schemeClr>
+                </a:solidFill>
+              </a:rPr>
+              <a:t>- Gamil worked on creating counting/getting length functions.</a:t>
+            </a:r>
+          </a:p>
+          <a:p>
+            <a:pPr marL="0" indent="0" algn="l" rtl="0">
+              <a:buNone/>
+            </a:pPr>
+            <a:endParaRPr lang="en-US" dirty="0">
+              <a:solidFill>
+                <a:schemeClr val="accent3">
+                  <a:lumMod val="75000"/>
+                </a:schemeClr>
+              </a:solidFill>
+            </a:endParaRPr>
+          </a:p>
+          <a:p>
+            <a:pPr marL="0" indent="0" algn="l" rtl="0">
+              <a:buNone/>
+            </a:pPr>
+            <a:r>
+              <a:rPr lang="en-US" dirty="0">
+                <a:solidFill>
+                  <a:schemeClr val="accent3">
+                    <a:lumMod val="75000"/>
+                  </a:schemeClr>
+                </a:solidFill>
+              </a:rPr>
+              <a:t>- Bassam worked on creating main thread, file process thread and making an explanation video.</a:t>
+            </a:r>
+          </a:p>
+          <a:p>
+            <a:pPr marL="0" indent="0" algn="l" rtl="0">
+              <a:buNone/>
+            </a:pPr>
+            <a:endParaRPr lang="en-US" dirty="0">
+              <a:solidFill>
+                <a:schemeClr val="accent3">
+                  <a:lumMod val="75000"/>
+                </a:schemeClr>
+              </a:solidFill>
+            </a:endParaRPr>
+          </a:p>
+          <a:p>
+            <a:pPr marL="0" indent="0" algn="l" rtl="0">
+              <a:buNone/>
+            </a:pPr>
+            <a:r>
+              <a:rPr lang="en-US" dirty="0">
+                <a:solidFill>
+                  <a:schemeClr val="accent3">
+                    <a:lumMod val="75000"/>
+                  </a:schemeClr>
+                </a:solidFill>
+              </a:rPr>
+              <a:t>- Bassem Yasser worked on making the program real-time.</a:t>
+            </a:r>
+          </a:p>
+        </p:txBody>
+      </p:sp>
+    </p:spTree>
+    <p:extLst>
+      <p:ext uri="{BB962C8B-B14F-4D97-AF65-F5344CB8AC3E}">
+        <p14:creationId xmlns:p14="http://schemas.microsoft.com/office/powerpoint/2010/main" val="1920329369"/>
+      </p:ext>
+    </p:extLst>
+  </p:cSld>
+  <p:clrMapOvr>
+    <a:masterClrMapping/>
+  </p:clrMapOvr>
+</p:sld>
+</file>
+
+<file path=ppt/slides/slide4.xml><?xml version="1.0" encoding="utf-8"?>
 <p:sld xmlns:a="http://schemas.openxmlformats.org/drawingml/2006/main" xmlns:r="http://schemas.openxmlformats.org/officeDocument/2006/relationships" xmlns:p="http://schemas.openxmlformats.org/presentationml/2006/main">
   <p:cSld>
     <p:spTree>
@@ -4329,7 +6047,7 @@
 </p:sld>
 </file>
 
-<file path=ppt/slides/slide4.xml><?xml version="1.0" encoding="utf-8"?>
+<file path=ppt/slides/slide5.xml><?xml version="1.0" encoding="utf-8"?>
 <p:sld xmlns:a="http://schemas.openxmlformats.org/drawingml/2006/main" xmlns:r="http://schemas.openxmlformats.org/officeDocument/2006/relationships" xmlns:p="http://schemas.openxmlformats.org/presentationml/2006/main">
   <p:cSld>
     <p:spTree>
@@ -4568,7 +6286,7 @@
 </p:sld>
 </file>
 
-<file path=ppt/slides/slide5.xml><?xml version="1.0" encoding="utf-8"?>
+<file path=ppt/slides/slide6.xml><?xml version="1.0" encoding="utf-8"?>
 <p:sld xmlns:a="http://schemas.openxmlformats.org/drawingml/2006/main" xmlns:r="http://schemas.openxmlformats.org/officeDocument/2006/relationships" xmlns:p="http://schemas.openxmlformats.org/presentationml/2006/main">
   <p:cSld>
     <p:spTree>
@@ -4829,7 +6547,7 @@
 </p:sld>
 </file>
 
-<file path=ppt/slides/slide6.xml><?xml version="1.0" encoding="utf-8"?>
+<file path=ppt/slides/slide7.xml><?xml version="1.0" encoding="utf-8"?>
 <p:sld xmlns:a="http://schemas.openxmlformats.org/drawingml/2006/main" xmlns:r="http://schemas.openxmlformats.org/officeDocument/2006/relationships" xmlns:p="http://schemas.openxmlformats.org/presentationml/2006/main">
   <p:cSld>
     <p:spTree>
@@ -5055,7 +6773,7 @@
 </p:sld>
 </file>
 
-<file path=ppt/slides/slide7.xml><?xml version="1.0" encoding="utf-8"?>
+<file path=ppt/slides/slide8.xml><?xml version="1.0" encoding="utf-8"?>
 <p:sld xmlns:a="http://schemas.openxmlformats.org/drawingml/2006/main" xmlns:r="http://schemas.openxmlformats.org/officeDocument/2006/relationships" xmlns:p="http://schemas.openxmlformats.org/presentationml/2006/main">
   <p:cSld>
     <p:spTree>
@@ -5327,7 +7045,7 @@
 </p:sld>
 </file>
 
-<file path=ppt/slides/slide8.xml><?xml version="1.0" encoding="utf-8"?>
+<file path=ppt/slides/slide9.xml><?xml version="1.0" encoding="utf-8"?>
 <p:sld xmlns:a="http://schemas.openxmlformats.org/drawingml/2006/main" xmlns:r="http://schemas.openxmlformats.org/officeDocument/2006/relationships" xmlns:p="http://schemas.openxmlformats.org/presentationml/2006/main">
   <p:cSld>
     <p:spTree>
@@ -5484,529 +7202,6 @@
     <p:extLst>
       <p:ext uri="{BB962C8B-B14F-4D97-AF65-F5344CB8AC3E}">
         <p14:creationId xmlns:p14="http://schemas.microsoft.com/office/powerpoint/2010/main" val="1272812860"/>
-      </p:ext>
-    </p:extLst>
-  </p:cSld>
-  <p:clrMapOvr>
-    <a:masterClrMapping/>
-  </p:clrMapOvr>
-</p:sld>
-</file>
-
-<file path=ppt/slides/slide9.xml><?xml version="1.0" encoding="utf-8"?>
-<p:sld xmlns:a="http://schemas.openxmlformats.org/drawingml/2006/main" xmlns:r="http://schemas.openxmlformats.org/officeDocument/2006/relationships" xmlns:p="http://schemas.openxmlformats.org/presentationml/2006/main">
-  <p:cSld>
-    <p:spTree>
-      <p:nvGrpSpPr>
-        <p:cNvPr id="1" name=""/>
-        <p:cNvGrpSpPr/>
-        <p:nvPr/>
-      </p:nvGrpSpPr>
-      <p:grpSpPr>
-        <a:xfrm>
-          <a:off x="0" y="0"/>
-          <a:ext cx="0" cy="0"/>
-          <a:chOff x="0" y="0"/>
-          <a:chExt cx="0" cy="0"/>
-        </a:xfrm>
-      </p:grpSpPr>
-      <p:sp>
-        <p:nvSpPr>
-          <p:cNvPr id="2" name="عنوان 1">
-            <a:extLst>
-              <a:ext uri="{FF2B5EF4-FFF2-40B4-BE49-F238E27FC236}">
-                <a16:creationId xmlns:a16="http://schemas.microsoft.com/office/drawing/2014/main" id="{83307AD2-DE9E-D145-C3CB-3A26BBD74DF2}"/>
-              </a:ext>
-            </a:extLst>
-          </p:cNvPr>
-          <p:cNvSpPr>
-            <a:spLocks noGrp="1"/>
-          </p:cNvSpPr>
-          <p:nvPr>
-            <p:ph type="title"/>
-          </p:nvPr>
-        </p:nvSpPr>
-        <p:spPr>
-          <a:xfrm>
-            <a:off x="665164" y="5555"/>
-            <a:ext cx="4529006" cy="1173957"/>
-          </a:xfrm>
-        </p:spPr>
-        <p:txBody>
-          <a:bodyPr/>
-          <a:lstStyle/>
-          <a:p>
-            <a:pPr algn="l" rtl="0"/>
-            <a:r>
-              <a:rPr lang="en-US" dirty="0"/>
-              <a:t>Project Members</a:t>
-            </a:r>
-          </a:p>
-        </p:txBody>
-      </p:sp>
-      <p:sp>
-        <p:nvSpPr>
-          <p:cNvPr id="3" name="عنصر نائب للنص 2">
-            <a:extLst>
-              <a:ext uri="{FF2B5EF4-FFF2-40B4-BE49-F238E27FC236}">
-                <a16:creationId xmlns:a16="http://schemas.microsoft.com/office/drawing/2014/main" id="{276E85D8-DB9A-FC8A-D75F-2FD72A51DECB}"/>
-              </a:ext>
-            </a:extLst>
-          </p:cNvPr>
-          <p:cNvSpPr>
-            <a:spLocks noGrp="1"/>
-          </p:cNvSpPr>
-          <p:nvPr>
-            <p:ph type="body" idx="1"/>
-          </p:nvPr>
-        </p:nvSpPr>
-        <p:spPr>
-          <a:xfrm>
-            <a:off x="839788" y="1112362"/>
-            <a:ext cx="5157787" cy="1392713"/>
-          </a:xfrm>
-        </p:spPr>
-        <p:txBody>
-          <a:bodyPr>
-            <a:normAutofit fontScale="85000" lnSpcReduction="20000"/>
-          </a:bodyPr>
-          <a:lstStyle/>
-          <a:p>
-            <a:r>
-              <a:rPr lang="ar-SA" dirty="0"/>
-              <a:t>ايمان ايهاب ابراهيم محمد 20210201</a:t>
-            </a:r>
-            <a:endParaRPr lang="en-US" dirty="0"/>
-          </a:p>
-          <a:p>
-            <a:r>
-              <a:rPr lang="ar-SA" dirty="0" err="1"/>
-              <a:t>بثينه</a:t>
-            </a:r>
-            <a:r>
-              <a:rPr lang="ar-SA" dirty="0"/>
-              <a:t> عصام محمد اسماعيل</a:t>
-            </a:r>
-            <a:r>
-              <a:rPr lang="en-US" dirty="0"/>
-              <a:t> </a:t>
-            </a:r>
-            <a:r>
-              <a:rPr lang="ar-SA" dirty="0"/>
-              <a:t>20210218</a:t>
-            </a:r>
-            <a:endParaRPr lang="en-US" dirty="0"/>
-          </a:p>
-          <a:p>
-            <a:r>
-              <a:rPr lang="ar-SA" dirty="0" err="1"/>
-              <a:t>تريڤينا</a:t>
-            </a:r>
-            <a:r>
-              <a:rPr lang="ar-SA" dirty="0"/>
-              <a:t> رضا امين جرجس20210236</a:t>
-            </a:r>
-            <a:r>
-              <a:rPr lang="en-US" dirty="0"/>
-              <a:t>    </a:t>
-            </a:r>
-          </a:p>
-          <a:p>
-            <a:r>
-              <a:rPr lang="ar-SA" dirty="0" err="1"/>
-              <a:t>آيه</a:t>
-            </a:r>
-            <a:r>
-              <a:rPr lang="ar-SA" dirty="0"/>
-              <a:t> محمد علي عبدالوهاب 20210210</a:t>
-            </a:r>
-            <a:endParaRPr lang="en-US" dirty="0"/>
-          </a:p>
-        </p:txBody>
-      </p:sp>
-      <p:sp>
-        <p:nvSpPr>
-          <p:cNvPr id="4" name="عنصر نائب للمحتوى 3">
-            <a:extLst>
-              <a:ext uri="{FF2B5EF4-FFF2-40B4-BE49-F238E27FC236}">
-                <a16:creationId xmlns:a16="http://schemas.microsoft.com/office/drawing/2014/main" id="{D91CEA35-C063-6690-DDCD-DE968ABED9F9}"/>
-              </a:ext>
-            </a:extLst>
-          </p:cNvPr>
-          <p:cNvSpPr>
-            <a:spLocks noGrp="1"/>
-          </p:cNvSpPr>
-          <p:nvPr>
-            <p:ph sz="half" idx="2"/>
-          </p:nvPr>
-        </p:nvSpPr>
-        <p:spPr>
-          <a:xfrm>
-            <a:off x="1282045" y="2684183"/>
-            <a:ext cx="4715530" cy="3301837"/>
-          </a:xfrm>
-        </p:spPr>
-        <p:txBody>
-          <a:bodyPr>
-            <a:normAutofit fontScale="62500" lnSpcReduction="20000"/>
-          </a:bodyPr>
-          <a:lstStyle/>
-          <a:p>
-            <a:pPr marL="0" indent="0" algn="l" rtl="0">
-              <a:buNone/>
-            </a:pPr>
-            <a:r>
-              <a:rPr lang="en-US" dirty="0">
-                <a:solidFill>
-                  <a:schemeClr val="accent3">
-                    <a:lumMod val="75000"/>
-                  </a:schemeClr>
-                </a:solidFill>
-              </a:rPr>
-              <a:t>- </a:t>
-            </a:r>
-            <a:r>
-              <a:rPr lang="en-US" dirty="0" err="1">
-                <a:solidFill>
-                  <a:schemeClr val="accent3">
-                    <a:lumMod val="75000"/>
-                  </a:schemeClr>
-                </a:solidFill>
-              </a:rPr>
-              <a:t>Eman</a:t>
-            </a:r>
-            <a:r>
-              <a:rPr lang="en-US" dirty="0">
-                <a:solidFill>
-                  <a:schemeClr val="accent3">
-                    <a:lumMod val="75000"/>
-                  </a:schemeClr>
-                </a:solidFill>
-              </a:rPr>
-              <a:t> worked initializing the GUI components</a:t>
-            </a:r>
-          </a:p>
-          <a:p>
-            <a:pPr marL="0" indent="0" algn="l" rtl="0">
-              <a:buNone/>
-            </a:pPr>
-            <a:endParaRPr lang="en-US" dirty="0">
-              <a:solidFill>
-                <a:schemeClr val="accent3">
-                  <a:lumMod val="75000"/>
-                </a:schemeClr>
-              </a:solidFill>
-            </a:endParaRPr>
-          </a:p>
-          <a:p>
-            <a:pPr marL="0" indent="0" algn="l" rtl="0">
-              <a:buNone/>
-            </a:pPr>
-            <a:r>
-              <a:rPr lang="en-US" dirty="0">
-                <a:solidFill>
-                  <a:schemeClr val="accent3">
-                    <a:lumMod val="75000"/>
-                  </a:schemeClr>
-                </a:solidFill>
-              </a:rPr>
-              <a:t>- </a:t>
-            </a:r>
-            <a:r>
-              <a:rPr lang="en-US" dirty="0" err="1">
-                <a:solidFill>
-                  <a:schemeClr val="accent3">
-                    <a:lumMod val="75000"/>
-                  </a:schemeClr>
-                </a:solidFill>
-              </a:rPr>
-              <a:t>Buthaina</a:t>
-            </a:r>
-            <a:r>
-              <a:rPr lang="en-US" dirty="0">
-                <a:solidFill>
-                  <a:schemeClr val="accent3">
-                    <a:lumMod val="75000"/>
-                  </a:schemeClr>
-                </a:solidFill>
-              </a:rPr>
-              <a:t> worked on </a:t>
-            </a:r>
-            <a:r>
-              <a:rPr lang="en-US" dirty="0" err="1">
-                <a:solidFill>
-                  <a:schemeClr val="accent3">
-                    <a:lumMod val="75000"/>
-                  </a:schemeClr>
-                </a:solidFill>
-              </a:rPr>
-              <a:t>processDirectory</a:t>
-            </a:r>
-            <a:r>
-              <a:rPr lang="en-US" dirty="0">
-                <a:solidFill>
-                  <a:schemeClr val="accent3">
-                    <a:lumMod val="75000"/>
-                  </a:schemeClr>
-                </a:solidFill>
-              </a:rPr>
-              <a:t>() function.</a:t>
-            </a:r>
-          </a:p>
-          <a:p>
-            <a:pPr marL="0" indent="0" algn="l" rtl="0">
-              <a:buNone/>
-            </a:pPr>
-            <a:endParaRPr lang="en-US" dirty="0">
-              <a:solidFill>
-                <a:schemeClr val="accent3">
-                  <a:lumMod val="75000"/>
-                </a:schemeClr>
-              </a:solidFill>
-            </a:endParaRPr>
-          </a:p>
-          <a:p>
-            <a:pPr marL="0" indent="0" algn="l" rtl="0">
-              <a:buNone/>
-            </a:pPr>
-            <a:r>
-              <a:rPr lang="en-US" dirty="0">
-                <a:solidFill>
-                  <a:schemeClr val="accent3">
-                    <a:lumMod val="75000"/>
-                  </a:schemeClr>
-                </a:solidFill>
-              </a:rPr>
-              <a:t>-</a:t>
-            </a:r>
-            <a:r>
-              <a:rPr lang="en-US" dirty="0" err="1">
-                <a:solidFill>
-                  <a:schemeClr val="accent3">
-                    <a:lumMod val="75000"/>
-                  </a:schemeClr>
-                </a:solidFill>
-              </a:rPr>
-              <a:t>Terevena</a:t>
-            </a:r>
-            <a:r>
-              <a:rPr lang="en-US" dirty="0">
-                <a:solidFill>
-                  <a:schemeClr val="accent3">
-                    <a:lumMod val="75000"/>
-                  </a:schemeClr>
-                </a:solidFill>
-              </a:rPr>
-              <a:t> worked on </a:t>
-            </a:r>
-            <a:r>
-              <a:rPr lang="en-US" dirty="0" err="1">
-                <a:solidFill>
-                  <a:schemeClr val="accent3">
-                    <a:lumMod val="75000"/>
-                  </a:schemeClr>
-                </a:solidFill>
-              </a:rPr>
-              <a:t>listFilePaths</a:t>
-            </a:r>
-            <a:r>
-              <a:rPr lang="en-US" dirty="0">
-                <a:solidFill>
-                  <a:schemeClr val="accent3">
-                    <a:lumMod val="75000"/>
-                  </a:schemeClr>
-                </a:solidFill>
-              </a:rPr>
-              <a:t>() function.</a:t>
-            </a:r>
-          </a:p>
-          <a:p>
-            <a:pPr marL="0" indent="0" algn="l" rtl="0">
-              <a:buNone/>
-            </a:pPr>
-            <a:endParaRPr lang="en-US" dirty="0">
-              <a:solidFill>
-                <a:schemeClr val="accent3">
-                  <a:lumMod val="75000"/>
-                </a:schemeClr>
-              </a:solidFill>
-            </a:endParaRPr>
-          </a:p>
-          <a:p>
-            <a:pPr marL="0" indent="0" algn="l" rtl="0">
-              <a:buNone/>
-            </a:pPr>
-            <a:r>
-              <a:rPr lang="en-US" dirty="0">
-                <a:solidFill>
-                  <a:schemeClr val="accent3">
-                    <a:lumMod val="75000"/>
-                  </a:schemeClr>
-                </a:solidFill>
-              </a:rPr>
-              <a:t>-Aya worked on solving the problem of the program crashing when using a new directory while an old one is chosen.</a:t>
-            </a:r>
-          </a:p>
-        </p:txBody>
-      </p:sp>
-      <p:sp>
-        <p:nvSpPr>
-          <p:cNvPr id="5" name="عنصر نائب للنص 4">
-            <a:extLst>
-              <a:ext uri="{FF2B5EF4-FFF2-40B4-BE49-F238E27FC236}">
-                <a16:creationId xmlns:a16="http://schemas.microsoft.com/office/drawing/2014/main" id="{167398A7-A703-A4D5-7079-CC7CC7F7D65F}"/>
-              </a:ext>
-            </a:extLst>
-          </p:cNvPr>
-          <p:cNvSpPr>
-            <a:spLocks noGrp="1"/>
-          </p:cNvSpPr>
-          <p:nvPr>
-            <p:ph type="body" sz="quarter" idx="3"/>
-          </p:nvPr>
-        </p:nvSpPr>
-        <p:spPr>
-          <a:xfrm>
-            <a:off x="7136090" y="1018381"/>
-            <a:ext cx="4216121" cy="1325563"/>
-          </a:xfrm>
-        </p:spPr>
-        <p:txBody>
-          <a:bodyPr>
-            <a:normAutofit fontScale="85000" lnSpcReduction="20000"/>
-          </a:bodyPr>
-          <a:lstStyle/>
-          <a:p>
-            <a:r>
-              <a:rPr lang="ar-EG" dirty="0"/>
-              <a:t>بسام عماد </a:t>
-            </a:r>
-            <a:r>
-              <a:rPr lang="ar-EG" dirty="0" err="1"/>
-              <a:t>حمدى</a:t>
-            </a:r>
-            <a:r>
-              <a:rPr lang="ar-EG" dirty="0"/>
-              <a:t> عبدالكريم 20210222	</a:t>
-            </a:r>
-          </a:p>
-          <a:p>
-            <a:r>
-              <a:rPr lang="ar-EG" dirty="0"/>
-              <a:t>باسم ياسر رجب عمر 20210217</a:t>
-            </a:r>
-          </a:p>
-          <a:p>
-            <a:r>
-              <a:rPr lang="ar-EG" dirty="0"/>
-              <a:t>جميل محمد جميل حسن 20210252</a:t>
-            </a:r>
-            <a:endParaRPr lang="en-US" dirty="0"/>
-          </a:p>
-        </p:txBody>
-      </p:sp>
-      <p:sp>
-        <p:nvSpPr>
-          <p:cNvPr id="6" name="عنصر نائب للمحتوى 5">
-            <a:extLst>
-              <a:ext uri="{FF2B5EF4-FFF2-40B4-BE49-F238E27FC236}">
-                <a16:creationId xmlns:a16="http://schemas.microsoft.com/office/drawing/2014/main" id="{9FF9F45E-B186-86FA-0107-39A582F37D41}"/>
-              </a:ext>
-            </a:extLst>
-          </p:cNvPr>
-          <p:cNvSpPr>
-            <a:spLocks noGrp="1"/>
-          </p:cNvSpPr>
-          <p:nvPr>
-            <p:ph sz="quarter" idx="4"/>
-          </p:nvPr>
-        </p:nvSpPr>
-        <p:spPr>
-          <a:xfrm>
-            <a:off x="7008812" y="2684183"/>
-            <a:ext cx="5183188" cy="3125952"/>
-          </a:xfrm>
-        </p:spPr>
-        <p:txBody>
-          <a:bodyPr>
-            <a:normAutofit fontScale="62500" lnSpcReduction="20000"/>
-          </a:bodyPr>
-          <a:lstStyle/>
-          <a:p>
-            <a:pPr marL="0" indent="0" algn="l" rtl="0">
-              <a:buNone/>
-            </a:pPr>
-            <a:r>
-              <a:rPr lang="en-US" dirty="0">
-                <a:solidFill>
-                  <a:schemeClr val="accent3">
-                    <a:lumMod val="75000"/>
-                  </a:schemeClr>
-                </a:solidFill>
-              </a:rPr>
-              <a:t>- Gamil worked on creating counting/getting length functions.</a:t>
-            </a:r>
-          </a:p>
-          <a:p>
-            <a:pPr marL="0" indent="0" algn="l" rtl="0">
-              <a:buNone/>
-            </a:pPr>
-            <a:endParaRPr lang="en-US" dirty="0">
-              <a:solidFill>
-                <a:schemeClr val="accent3">
-                  <a:lumMod val="75000"/>
-                </a:schemeClr>
-              </a:solidFill>
-            </a:endParaRPr>
-          </a:p>
-          <a:p>
-            <a:pPr marL="0" indent="0" algn="l" rtl="0">
-              <a:buNone/>
-            </a:pPr>
-            <a:r>
-              <a:rPr lang="en-US" dirty="0">
-                <a:solidFill>
-                  <a:schemeClr val="accent3">
-                    <a:lumMod val="75000"/>
-                  </a:schemeClr>
-                </a:solidFill>
-              </a:rPr>
-              <a:t>- Bassam worked on creating main thread, file process thread and making an explanation video.</a:t>
-            </a:r>
-          </a:p>
-          <a:p>
-            <a:pPr marL="0" indent="0" algn="l" rtl="0">
-              <a:buNone/>
-            </a:pPr>
-            <a:endParaRPr lang="en-US" dirty="0">
-              <a:solidFill>
-                <a:schemeClr val="accent3">
-                  <a:lumMod val="75000"/>
-                </a:schemeClr>
-              </a:solidFill>
-            </a:endParaRPr>
-          </a:p>
-          <a:p>
-            <a:pPr marL="0" indent="0" algn="l" rtl="0">
-              <a:buNone/>
-            </a:pPr>
-            <a:r>
-              <a:rPr lang="en-US" dirty="0">
-                <a:solidFill>
-                  <a:schemeClr val="accent3">
-                    <a:lumMod val="75000"/>
-                  </a:schemeClr>
-                </a:solidFill>
-              </a:rPr>
-              <a:t>- Bassem Yasser worked on making the program real-time.</a:t>
-            </a:r>
-          </a:p>
-        </p:txBody>
-      </p:sp>
-    </p:spTree>
-    <p:extLst>
-      <p:ext uri="{BB962C8B-B14F-4D97-AF65-F5344CB8AC3E}">
-        <p14:creationId xmlns:p14="http://schemas.microsoft.com/office/powerpoint/2010/main" val="1920329369"/>
       </p:ext>
     </p:extLst>
   </p:cSld>
